--- a/seminar/Seminar Presentation.pptx
+++ b/seminar/Seminar Presentation.pptx
@@ -5,7 +5,7 @@
     <p:sldMasterId id="2147483660" r:id="rId1"/>
   </p:sldMasterIdLst>
   <p:notesMasterIdLst>
-    <p:notesMasterId r:id="rId13"/>
+    <p:notesMasterId r:id="rId21"/>
   </p:notesMasterIdLst>
   <p:sldIdLst>
     <p:sldId id="256" r:id="rId2"/>
@@ -18,7 +18,15 @@
     <p:sldId id="264" r:id="rId9"/>
     <p:sldId id="265" r:id="rId10"/>
     <p:sldId id="266" r:id="rId11"/>
-    <p:sldId id="261" r:id="rId12"/>
+    <p:sldId id="269" r:id="rId12"/>
+    <p:sldId id="268" r:id="rId13"/>
+    <p:sldId id="270" r:id="rId14"/>
+    <p:sldId id="272" r:id="rId15"/>
+    <p:sldId id="271" r:id="rId16"/>
+    <p:sldId id="273" r:id="rId17"/>
+    <p:sldId id="274" r:id="rId18"/>
+    <p:sldId id="261" r:id="rId19"/>
+    <p:sldId id="275" r:id="rId20"/>
   </p:sldIdLst>
   <p:sldSz cx="12192000" cy="6858000"/>
   <p:notesSz cx="6858000" cy="9144000"/>
@@ -117,6 +125,11 @@
       </a:defRPr>
     </a:lvl9pPr>
   </p:defaultTextStyle>
+  <p:extLst>
+    <p:ext uri="{EFAFB233-063F-42B5-8137-9DF3F51BA10A}">
+      <p15:sldGuideLst xmlns:p15="http://schemas.microsoft.com/office/powerpoint/2012/main"/>
+    </p:ext>
+  </p:extLst>
 </p:presentation>
 </file>
 
@@ -202,7 +215,7 @@
           <a:p>
             <a:fld id="{2D4F049E-B66F-47EF-B4E8-34F47D8D3DC0}" type="datetimeFigureOut">
               <a:rPr lang="en-US" smtClean="0"/>
-              <a:t>2/6/2021</a:t>
+              <a:t>2/7/2021</a:t>
             </a:fld>
             <a:endParaRPr lang="en-US"/>
           </a:p>
@@ -661,7 +674,7 @@
           <a:p>
             <a:fld id="{406B77DE-EFFA-4557-8FB8-253F22AEA761}" type="datetime1">
               <a:rPr lang="en-US" smtClean="0"/>
-              <a:t>2/6/2021</a:t>
+              <a:t>2/7/2021</a:t>
             </a:fld>
             <a:endParaRPr lang="en-US"/>
           </a:p>
@@ -1097,7 +1110,7 @@
           <a:p>
             <a:fld id="{34FBAC51-BD66-4C35-ADAD-0A3FA605BFFA}" type="datetime1">
               <a:rPr lang="en-US" smtClean="0"/>
-              <a:t>2/6/2021</a:t>
+              <a:t>2/7/2021</a:t>
             </a:fld>
             <a:endParaRPr lang="en-US"/>
           </a:p>
@@ -1347,7 +1360,7 @@
           <a:p>
             <a:fld id="{29A9BA67-64AB-4FF4-BAD5-40F355F5B322}" type="datetime1">
               <a:rPr lang="en-US" smtClean="0"/>
-              <a:t>2/6/2021</a:t>
+              <a:t>2/7/2021</a:t>
             </a:fld>
             <a:endParaRPr lang="en-US"/>
           </a:p>
@@ -1655,7 +1668,7 @@
           <a:p>
             <a:fld id="{FABD33FC-4670-4284-87AA-9D9D78E1EF4F}" type="datetime1">
               <a:rPr lang="en-US" smtClean="0"/>
-              <a:t>2/6/2021</a:t>
+              <a:t>2/7/2021</a:t>
             </a:fld>
             <a:endParaRPr lang="en-US"/>
           </a:p>
@@ -1973,7 +1986,7 @@
           <a:p>
             <a:fld id="{251AACAB-D22A-401C-976C-D0EA2FD11114}" type="datetime1">
               <a:rPr lang="en-US" smtClean="0"/>
-              <a:t>2/6/2021</a:t>
+              <a:t>2/7/2021</a:t>
             </a:fld>
             <a:endParaRPr lang="en-US"/>
           </a:p>
@@ -2275,7 +2288,7 @@
           <a:p>
             <a:fld id="{CA92BD96-DC84-4498-BCC4-7386EE3F84A2}" type="datetime1">
               <a:rPr lang="en-US" smtClean="0"/>
-              <a:t>2/6/2021</a:t>
+              <a:t>2/7/2021</a:t>
             </a:fld>
             <a:endParaRPr lang="en-US"/>
           </a:p>
@@ -2642,7 +2655,7 @@
           <a:p>
             <a:fld id="{073892B2-FCDD-43F6-B32E-7EA4C0E73E98}" type="datetime1">
               <a:rPr lang="en-US" smtClean="0"/>
-              <a:t>2/6/2021</a:t>
+              <a:t>2/7/2021</a:t>
             </a:fld>
             <a:endParaRPr lang="en-US"/>
           </a:p>
@@ -2816,7 +2829,7 @@
           <a:p>
             <a:fld id="{E88D468A-3F90-48BD-AB6E-4A554814B5EE}" type="datetime1">
               <a:rPr lang="en-US" smtClean="0"/>
-              <a:t>2/6/2021</a:t>
+              <a:t>2/7/2021</a:t>
             </a:fld>
             <a:endParaRPr lang="en-US"/>
           </a:p>
@@ -2996,7 +3009,7 @@
           <a:p>
             <a:fld id="{4E99363D-58D4-4E71-BCC6-B41D3BA6EF5D}" type="datetime1">
               <a:rPr lang="en-US" smtClean="0"/>
-              <a:t>2/6/2021</a:t>
+              <a:t>2/7/2021</a:t>
             </a:fld>
             <a:endParaRPr lang="en-US"/>
           </a:p>
@@ -3166,7 +3179,7 @@
           <a:p>
             <a:fld id="{57D9579A-A31E-456C-BC86-EDEBDDAEF028}" type="datetime1">
               <a:rPr lang="en-US" smtClean="0"/>
-              <a:t>2/6/2021</a:t>
+              <a:t>2/7/2021</a:t>
             </a:fld>
             <a:endParaRPr lang="en-US"/>
           </a:p>
@@ -3416,7 +3429,7 @@
           <a:p>
             <a:fld id="{9ED2297E-CAA7-4AF1-B4CC-952E4BFB1240}" type="datetime1">
               <a:rPr lang="en-US" smtClean="0"/>
-              <a:t>2/6/2021</a:t>
+              <a:t>2/7/2021</a:t>
             </a:fld>
             <a:endParaRPr lang="en-US"/>
           </a:p>
@@ -3652,7 +3665,7 @@
           <a:p>
             <a:fld id="{FA8311A2-F131-4F7F-A8D5-2ABF4AA6DC6A}" type="datetime1">
               <a:rPr lang="en-US" smtClean="0"/>
-              <a:t>2/6/2021</a:t>
+              <a:t>2/7/2021</a:t>
             </a:fld>
             <a:endParaRPr lang="en-US"/>
           </a:p>
@@ -4034,7 +4047,7 @@
           <a:p>
             <a:fld id="{B8FEFC32-D523-4DB2-807F-EB6B67E2E606}" type="datetime1">
               <a:rPr lang="en-US" smtClean="0"/>
-              <a:t>2/6/2021</a:t>
+              <a:t>2/7/2021</a:t>
             </a:fld>
             <a:endParaRPr lang="en-US"/>
           </a:p>
@@ -4152,7 +4165,7 @@
           <a:p>
             <a:fld id="{4A24FA5C-712B-4B79-B9CE-A04DDC8C2317}" type="datetime1">
               <a:rPr lang="en-US" smtClean="0"/>
-              <a:t>2/6/2021</a:t>
+              <a:t>2/7/2021</a:t>
             </a:fld>
             <a:endParaRPr lang="en-US"/>
           </a:p>
@@ -4247,7 +4260,7 @@
           <a:p>
             <a:fld id="{ECA71E22-BA1D-49FB-A818-A7772C320C16}" type="datetime1">
               <a:rPr lang="en-US" smtClean="0"/>
-              <a:t>2/6/2021</a:t>
+              <a:t>2/7/2021</a:t>
             </a:fld>
             <a:endParaRPr lang="en-US"/>
           </a:p>
@@ -4502,7 +4515,7 @@
           <a:p>
             <a:fld id="{C85BB9F0-797E-4366-A5D1-B07EC641E884}" type="datetime1">
               <a:rPr lang="en-US" smtClean="0"/>
-              <a:t>2/6/2021</a:t>
+              <a:t>2/7/2021</a:t>
             </a:fld>
             <a:endParaRPr lang="en-US"/>
           </a:p>
@@ -4785,7 +4798,7 @@
           <a:p>
             <a:fld id="{2666D72B-532E-4B3F-AA48-4EE9F5A53BFD}" type="datetime1">
               <a:rPr lang="en-US" smtClean="0"/>
-              <a:t>2/6/2021</a:t>
+              <a:t>2/7/2021</a:t>
             </a:fld>
             <a:endParaRPr lang="en-US"/>
           </a:p>
@@ -5191,7 +5204,7 @@
           <a:p>
             <a:fld id="{34AF0953-9C0F-445C-BA7F-4EACB4E7A119}" type="datetime1">
               <a:rPr lang="en-US" smtClean="0"/>
-              <a:t>2/6/2021</a:t>
+              <a:t>2/7/2021</a:t>
             </a:fld>
             <a:endParaRPr lang="en-US"/>
           </a:p>
@@ -6077,6 +6090,13 @@
   <p:clrMapOvr>
     <a:masterClrMapping/>
   </p:clrMapOvr>
+  <p:timing>
+    <p:tnLst>
+      <p:par>
+        <p:cTn id="1" dur="indefinite" restart="never" nodeType="tmRoot"/>
+      </p:par>
+    </p:tnLst>
+  </p:timing>
 </p:sld>
 </file>
 
@@ -6285,8 +6305,8 @@
         </p:nvSpPr>
         <p:spPr>
           <a:xfrm>
-            <a:off x="10185499" y="249535"/>
-            <a:ext cx="1696298" cy="923330"/>
+            <a:off x="1657523" y="249535"/>
+            <a:ext cx="10224274" cy="923330"/>
           </a:xfrm>
           <a:prstGeom prst="rect">
             <a:avLst/>
@@ -6301,7 +6321,7 @@
           <a:p>
             <a:pPr algn="r" rtl="1"/>
             <a:r>
-              <a:rPr lang="fa-IR" sz="5400" b="1" spc="50" dirty="0" smtClean="0">
+              <a:rPr lang="fa-IR" sz="5400" b="1" spc="50" dirty="0">
                 <a:ln w="0"/>
                 <a:solidFill>
                   <a:schemeClr val="bg2"/>
@@ -6315,9 +6335,142 @@
                 </a:effectLst>
                 <a:cs typeface="B Nazanin" panose="00000400000000000000" pitchFamily="2" charset="-78"/>
               </a:rPr>
-              <a:t>مراجع</a:t>
-            </a:r>
-            <a:endParaRPr lang="en-US" sz="5400" b="1" cap="none" spc="50" dirty="0">
+              <a:t>طرح اولیۀ بستر ذخیره‌سازی مشترک داده</a:t>
+            </a:r>
+          </a:p>
+        </p:txBody>
+      </p:sp>
+      <p:sp>
+        <p:nvSpPr>
+          <p:cNvPr id="6" name="Slide Number Placeholder 5"/>
+          <p:cNvSpPr>
+            <a:spLocks noGrp="1"/>
+          </p:cNvSpPr>
+          <p:nvPr>
+            <p:ph type="sldNum" sz="quarter" idx="12"/>
+          </p:nvPr>
+        </p:nvSpPr>
+        <p:spPr/>
+        <p:txBody>
+          <a:bodyPr/>
+          <a:lstStyle/>
+          <a:p>
+            <a:fld id="{5C26D530-B9E0-4354-AD45-D406AB899135}" type="slidenum">
+              <a:rPr lang="en-US" smtClean="0"/>
+              <a:t>11</a:t>
+            </a:fld>
+            <a:endParaRPr lang="en-US" dirty="0"/>
+          </a:p>
+        </p:txBody>
+      </p:sp>
+      <p:pic>
+        <p:nvPicPr>
+          <p:cNvPr id="2" name="Picture 1"/>
+          <p:cNvPicPr>
+            <a:picLocks noChangeAspect="1"/>
+          </p:cNvPicPr>
+          <p:nvPr/>
+        </p:nvPicPr>
+        <p:blipFill>
+          <a:blip r:embed="rId2">
+            <a:extLst>
+              <a:ext uri="{28A0092B-C50C-407E-A947-70E740481C1C}">
+                <a14:useLocalDpi xmlns:a14="http://schemas.microsoft.com/office/drawing/2010/main" val="0"/>
+              </a:ext>
+            </a:extLst>
+          </a:blip>
+          <a:stretch>
+            <a:fillRect/>
+          </a:stretch>
+        </p:blipFill>
+        <p:spPr>
+          <a:xfrm>
+            <a:off x="2027021" y="1417560"/>
+            <a:ext cx="7534275" cy="4591050"/>
+          </a:xfrm>
+          <a:prstGeom prst="rect">
+            <a:avLst/>
+          </a:prstGeom>
+        </p:spPr>
+      </p:pic>
+    </p:spTree>
+    <p:extLst>
+      <p:ext uri="{BB962C8B-B14F-4D97-AF65-F5344CB8AC3E}">
+        <p14:creationId xmlns:p14="http://schemas.microsoft.com/office/powerpoint/2010/main" val="2432939894"/>
+      </p:ext>
+    </p:extLst>
+  </p:cSld>
+  <p:clrMapOvr>
+    <a:masterClrMapping/>
+  </p:clrMapOvr>
+  <p:timing>
+    <p:tnLst>
+      <p:par>
+        <p:cTn id="1" dur="indefinite" restart="never" nodeType="tmRoot"/>
+      </p:par>
+    </p:tnLst>
+  </p:timing>
+</p:sld>
+</file>
+
+<file path=ppt/slides/slide12.xml><?xml version="1.0" encoding="utf-8"?>
+<p:sld xmlns:a="http://schemas.openxmlformats.org/drawingml/2006/main" xmlns:r="http://schemas.openxmlformats.org/officeDocument/2006/relationships" xmlns:p="http://schemas.openxmlformats.org/presentationml/2006/main">
+  <p:cSld>
+    <p:spTree>
+      <p:nvGrpSpPr>
+        <p:cNvPr id="1" name=""/>
+        <p:cNvGrpSpPr/>
+        <p:nvPr/>
+      </p:nvGrpSpPr>
+      <p:grpSpPr>
+        <a:xfrm>
+          <a:off x="0" y="0"/>
+          <a:ext cx="0" cy="0"/>
+          <a:chOff x="0" y="0"/>
+          <a:chExt cx="0" cy="0"/>
+        </a:xfrm>
+      </p:grpSpPr>
+      <p:sp>
+        <p:nvSpPr>
+          <p:cNvPr id="4" name="Rectangle 3"/>
+          <p:cNvSpPr/>
+          <p:nvPr/>
+        </p:nvSpPr>
+        <p:spPr>
+          <a:xfrm>
+            <a:off x="8797298" y="249535"/>
+            <a:ext cx="3084499" cy="923330"/>
+          </a:xfrm>
+          <a:prstGeom prst="rect">
+            <a:avLst/>
+          </a:prstGeom>
+          <a:noFill/>
+        </p:spPr>
+        <p:txBody>
+          <a:bodyPr wrap="none" lIns="91440" tIns="45720" rIns="91440" bIns="45720">
+            <a:spAutoFit/>
+          </a:bodyPr>
+          <a:lstStyle/>
+          <a:p>
+            <a:pPr algn="r" rtl="1"/>
+            <a:r>
+              <a:rPr lang="fa-IR" sz="5400" b="1" spc="50" dirty="0" smtClean="0">
+                <a:ln w="0"/>
+                <a:solidFill>
+                  <a:schemeClr val="bg2"/>
+                </a:solidFill>
+                <a:effectLst>
+                  <a:innerShdw blurRad="63500" dist="50800" dir="13500000">
+                    <a:srgbClr val="000000">
+                      <a:alpha val="50000"/>
+                    </a:srgbClr>
+                  </a:innerShdw>
+                </a:effectLst>
+                <a:cs typeface="B Nazanin" panose="00000400000000000000" pitchFamily="2" charset="-78"/>
+              </a:rPr>
+              <a:t>نمودار توالی</a:t>
+            </a:r>
+            <a:endParaRPr lang="fa-IR" sz="5400" b="1" spc="50" dirty="0">
               <a:ln w="0"/>
               <a:solidFill>
                 <a:schemeClr val="bg2"/>
@@ -6336,14 +6489,98 @@
       </p:sp>
       <p:sp>
         <p:nvSpPr>
-          <p:cNvPr id="5" name="Rectangle 4"/>
+          <p:cNvPr id="6" name="Slide Number Placeholder 5"/>
+          <p:cNvSpPr>
+            <a:spLocks noGrp="1"/>
+          </p:cNvSpPr>
+          <p:nvPr>
+            <p:ph type="sldNum" sz="quarter" idx="12"/>
+          </p:nvPr>
+        </p:nvSpPr>
+        <p:spPr/>
+        <p:txBody>
+          <a:bodyPr/>
+          <a:lstStyle/>
+          <a:p>
+            <a:fld id="{5C26D530-B9E0-4354-AD45-D406AB899135}" type="slidenum">
+              <a:rPr lang="en-US" smtClean="0"/>
+              <a:t>12</a:t>
+            </a:fld>
+            <a:endParaRPr lang="en-US" dirty="0"/>
+          </a:p>
+        </p:txBody>
+      </p:sp>
+      <p:pic>
+        <p:nvPicPr>
+          <p:cNvPr id="3" name="Picture 2"/>
+          <p:cNvPicPr>
+            <a:picLocks noChangeAspect="1"/>
+          </p:cNvPicPr>
+          <p:nvPr/>
+        </p:nvPicPr>
+        <p:blipFill>
+          <a:blip r:embed="rId2"/>
+          <a:stretch>
+            <a:fillRect/>
+          </a:stretch>
+        </p:blipFill>
+        <p:spPr>
+          <a:xfrm>
+            <a:off x="1766332" y="1261507"/>
+            <a:ext cx="7629525" cy="5133975"/>
+          </a:xfrm>
+          <a:prstGeom prst="rect">
+            <a:avLst/>
+          </a:prstGeom>
+        </p:spPr>
+      </p:pic>
+    </p:spTree>
+    <p:extLst>
+      <p:ext uri="{BB962C8B-B14F-4D97-AF65-F5344CB8AC3E}">
+        <p14:creationId xmlns:p14="http://schemas.microsoft.com/office/powerpoint/2010/main" val="1917094171"/>
+      </p:ext>
+    </p:extLst>
+  </p:cSld>
+  <p:clrMapOvr>
+    <a:masterClrMapping/>
+  </p:clrMapOvr>
+  <p:timing>
+    <p:tnLst>
+      <p:par>
+        <p:cTn id="1" dur="indefinite" restart="never" nodeType="tmRoot"/>
+      </p:par>
+    </p:tnLst>
+  </p:timing>
+</p:sld>
+</file>
+
+<file path=ppt/slides/slide13.xml><?xml version="1.0" encoding="utf-8"?>
+<p:sld xmlns:a="http://schemas.openxmlformats.org/drawingml/2006/main" xmlns:r="http://schemas.openxmlformats.org/officeDocument/2006/relationships" xmlns:p="http://schemas.openxmlformats.org/presentationml/2006/main">
+  <p:cSld>
+    <p:spTree>
+      <p:nvGrpSpPr>
+        <p:cNvPr id="1" name=""/>
+        <p:cNvGrpSpPr/>
+        <p:nvPr/>
+      </p:nvGrpSpPr>
+      <p:grpSpPr>
+        <a:xfrm>
+          <a:off x="0" y="0"/>
+          <a:ext cx="0" cy="0"/>
+          <a:chOff x="0" y="0"/>
+          <a:chExt cx="0" cy="0"/>
+        </a:xfrm>
+      </p:grpSpPr>
+      <p:sp>
+        <p:nvSpPr>
+          <p:cNvPr id="4" name="Rectangle 3"/>
           <p:cNvSpPr/>
           <p:nvPr/>
         </p:nvSpPr>
         <p:spPr>
           <a:xfrm>
-            <a:off x="368300" y="1376065"/>
-            <a:ext cx="11683622" cy="923330"/>
+            <a:off x="4667963" y="249535"/>
+            <a:ext cx="7213834" cy="923330"/>
           </a:xfrm>
           <a:prstGeom prst="rect">
             <a:avLst/>
@@ -6351,17 +6588,1022 @@
           <a:noFill/>
         </p:spPr>
         <p:txBody>
+          <a:bodyPr wrap="none" lIns="91440" tIns="45720" rIns="91440" bIns="45720">
+            <a:spAutoFit/>
+          </a:bodyPr>
+          <a:lstStyle/>
+          <a:p>
+            <a:pPr algn="r" rtl="1"/>
+            <a:r>
+              <a:rPr lang="fa-IR" sz="5400" b="1" spc="50" dirty="0" smtClean="0">
+                <a:ln w="0"/>
+                <a:solidFill>
+                  <a:schemeClr val="bg2"/>
+                </a:solidFill>
+                <a:effectLst>
+                  <a:innerShdw blurRad="63500" dist="50800" dir="13500000">
+                    <a:srgbClr val="000000">
+                      <a:alpha val="50000"/>
+                    </a:srgbClr>
+                  </a:innerShdw>
+                </a:effectLst>
+                <a:cs typeface="B Nazanin" panose="00000400000000000000" pitchFamily="2" charset="-78"/>
+              </a:rPr>
+              <a:t>یک مثال از درخواست نوشتن</a:t>
+            </a:r>
+            <a:endParaRPr lang="fa-IR" sz="5400" b="1" spc="50" dirty="0">
+              <a:ln w="0"/>
+              <a:solidFill>
+                <a:schemeClr val="bg2"/>
+              </a:solidFill>
+              <a:effectLst>
+                <a:innerShdw blurRad="63500" dist="50800" dir="13500000">
+                  <a:srgbClr val="000000">
+                    <a:alpha val="50000"/>
+                  </a:srgbClr>
+                </a:innerShdw>
+              </a:effectLst>
+              <a:cs typeface="B Nazanin" panose="00000400000000000000" pitchFamily="2" charset="-78"/>
+            </a:endParaRPr>
+          </a:p>
+        </p:txBody>
+      </p:sp>
+      <p:sp>
+        <p:nvSpPr>
+          <p:cNvPr id="6" name="Slide Number Placeholder 5"/>
+          <p:cNvSpPr>
+            <a:spLocks noGrp="1"/>
+          </p:cNvSpPr>
+          <p:nvPr>
+            <p:ph type="sldNum" sz="quarter" idx="12"/>
+          </p:nvPr>
+        </p:nvSpPr>
+        <p:spPr/>
+        <p:txBody>
+          <a:bodyPr/>
+          <a:lstStyle/>
+          <a:p>
+            <a:fld id="{5C26D530-B9E0-4354-AD45-D406AB899135}" type="slidenum">
+              <a:rPr lang="en-US" smtClean="0"/>
+              <a:t>13</a:t>
+            </a:fld>
+            <a:endParaRPr lang="en-US" dirty="0"/>
+          </a:p>
+        </p:txBody>
+      </p:sp>
+      <p:pic>
+        <p:nvPicPr>
+          <p:cNvPr id="2" name="Picture 1"/>
+          <p:cNvPicPr>
+            <a:picLocks noChangeAspect="1"/>
+          </p:cNvPicPr>
+          <p:nvPr/>
+        </p:nvPicPr>
+        <p:blipFill>
+          <a:blip r:embed="rId2"/>
+          <a:stretch>
+            <a:fillRect/>
+          </a:stretch>
+        </p:blipFill>
+        <p:spPr>
+          <a:xfrm>
+            <a:off x="3075881" y="2200090"/>
+            <a:ext cx="5667375" cy="2724150"/>
+          </a:xfrm>
+          <a:prstGeom prst="rect">
+            <a:avLst/>
+          </a:prstGeom>
+        </p:spPr>
+      </p:pic>
+    </p:spTree>
+    <p:extLst>
+      <p:ext uri="{BB962C8B-B14F-4D97-AF65-F5344CB8AC3E}">
+        <p14:creationId xmlns:p14="http://schemas.microsoft.com/office/powerpoint/2010/main" val="179717837"/>
+      </p:ext>
+    </p:extLst>
+  </p:cSld>
+  <p:clrMapOvr>
+    <a:masterClrMapping/>
+  </p:clrMapOvr>
+  <p:timing>
+    <p:tnLst>
+      <p:par>
+        <p:cTn id="1" dur="indefinite" restart="never" nodeType="tmRoot"/>
+      </p:par>
+    </p:tnLst>
+  </p:timing>
+</p:sld>
+</file>
+
+<file path=ppt/slides/slide14.xml><?xml version="1.0" encoding="utf-8"?>
+<p:sld xmlns:a="http://schemas.openxmlformats.org/drawingml/2006/main" xmlns:r="http://schemas.openxmlformats.org/officeDocument/2006/relationships" xmlns:p="http://schemas.openxmlformats.org/presentationml/2006/main">
+  <p:cSld>
+    <p:spTree>
+      <p:nvGrpSpPr>
+        <p:cNvPr id="1" name=""/>
+        <p:cNvGrpSpPr/>
+        <p:nvPr/>
+      </p:nvGrpSpPr>
+      <p:grpSpPr>
+        <a:xfrm>
+          <a:off x="0" y="0"/>
+          <a:ext cx="0" cy="0"/>
+          <a:chOff x="0" y="0"/>
+          <a:chExt cx="0" cy="0"/>
+        </a:xfrm>
+      </p:grpSpPr>
+      <p:sp>
+        <p:nvSpPr>
+          <p:cNvPr id="4" name="Rectangle 3"/>
+          <p:cNvSpPr/>
+          <p:nvPr/>
+        </p:nvSpPr>
+        <p:spPr>
+          <a:xfrm>
+            <a:off x="5796477" y="249535"/>
+            <a:ext cx="6085320" cy="923330"/>
+          </a:xfrm>
+          <a:prstGeom prst="rect">
+            <a:avLst/>
+          </a:prstGeom>
+          <a:noFill/>
+        </p:spPr>
+        <p:txBody>
+          <a:bodyPr wrap="none" lIns="91440" tIns="45720" rIns="91440" bIns="45720">
+            <a:spAutoFit/>
+          </a:bodyPr>
+          <a:lstStyle/>
+          <a:p>
+            <a:pPr algn="r" rtl="1"/>
+            <a:r>
+              <a:rPr lang="fa-IR" sz="5400" b="1" spc="50" dirty="0" smtClean="0">
+                <a:ln w="0"/>
+                <a:solidFill>
+                  <a:schemeClr val="bg2"/>
+                </a:solidFill>
+                <a:effectLst>
+                  <a:innerShdw blurRad="63500" dist="50800" dir="13500000">
+                    <a:srgbClr val="000000">
+                      <a:alpha val="50000"/>
+                    </a:srgbClr>
+                  </a:innerShdw>
+                </a:effectLst>
+                <a:cs typeface="B Nazanin" panose="00000400000000000000" pitchFamily="2" charset="-78"/>
+              </a:rPr>
+              <a:t>لایۀ انتزاعی ذخیره‌سازی</a:t>
+            </a:r>
+            <a:endParaRPr lang="fa-IR" sz="5400" b="1" spc="50" dirty="0">
+              <a:ln w="0"/>
+              <a:solidFill>
+                <a:schemeClr val="bg2"/>
+              </a:solidFill>
+              <a:effectLst>
+                <a:innerShdw blurRad="63500" dist="50800" dir="13500000">
+                  <a:srgbClr val="000000">
+                    <a:alpha val="50000"/>
+                  </a:srgbClr>
+                </a:innerShdw>
+              </a:effectLst>
+              <a:cs typeface="B Nazanin" panose="00000400000000000000" pitchFamily="2" charset="-78"/>
+            </a:endParaRPr>
+          </a:p>
+        </p:txBody>
+      </p:sp>
+      <p:sp>
+        <p:nvSpPr>
+          <p:cNvPr id="6" name="Slide Number Placeholder 5"/>
+          <p:cNvSpPr>
+            <a:spLocks noGrp="1"/>
+          </p:cNvSpPr>
+          <p:nvPr>
+            <p:ph type="sldNum" sz="quarter" idx="12"/>
+          </p:nvPr>
+        </p:nvSpPr>
+        <p:spPr/>
+        <p:txBody>
+          <a:bodyPr/>
+          <a:lstStyle/>
+          <a:p>
+            <a:fld id="{5C26D530-B9E0-4354-AD45-D406AB899135}" type="slidenum">
+              <a:rPr lang="en-US" smtClean="0"/>
+              <a:t>14</a:t>
+            </a:fld>
+            <a:endParaRPr lang="en-US" dirty="0"/>
+          </a:p>
+        </p:txBody>
+      </p:sp>
+      <p:sp>
+        <p:nvSpPr>
+          <p:cNvPr id="3" name="Rectangle 2"/>
+          <p:cNvSpPr/>
+          <p:nvPr/>
+        </p:nvSpPr>
+        <p:spPr>
+          <a:xfrm>
+            <a:off x="2325950" y="1313896"/>
+            <a:ext cx="2281561" cy="1198485"/>
+          </a:xfrm>
+          <a:prstGeom prst="rect">
+            <a:avLst/>
+          </a:prstGeom>
+        </p:spPr>
+        <p:style>
+          <a:lnRef idx="2">
+            <a:schemeClr val="accent3">
+              <a:shade val="50000"/>
+            </a:schemeClr>
+          </a:lnRef>
+          <a:fillRef idx="1">
+            <a:schemeClr val="accent3"/>
+          </a:fillRef>
+          <a:effectRef idx="0">
+            <a:schemeClr val="accent3"/>
+          </a:effectRef>
+          <a:fontRef idx="minor">
+            <a:schemeClr val="lt1"/>
+          </a:fontRef>
+        </p:style>
+        <p:txBody>
+          <a:bodyPr rtlCol="0" anchor="ctr"/>
+          <a:lstStyle/>
+          <a:p>
+            <a:pPr algn="ctr"/>
+            <a:r>
+              <a:rPr lang="en-US" dirty="0" smtClean="0"/>
+              <a:t>Device1</a:t>
+            </a:r>
+            <a:endParaRPr lang="en-US" dirty="0"/>
+          </a:p>
+        </p:txBody>
+      </p:sp>
+      <p:sp>
+        <p:nvSpPr>
+          <p:cNvPr id="5" name="Down Arrow 4"/>
+          <p:cNvSpPr/>
+          <p:nvPr/>
+        </p:nvSpPr>
+        <p:spPr>
+          <a:xfrm>
+            <a:off x="3080551" y="2614474"/>
+            <a:ext cx="284085" cy="470516"/>
+          </a:xfrm>
+          <a:prstGeom prst="downArrow">
+            <a:avLst/>
+          </a:prstGeom>
+        </p:spPr>
+        <p:style>
+          <a:lnRef idx="2">
+            <a:schemeClr val="accent5">
+              <a:shade val="50000"/>
+            </a:schemeClr>
+          </a:lnRef>
+          <a:fillRef idx="1">
+            <a:schemeClr val="accent5"/>
+          </a:fillRef>
+          <a:effectRef idx="0">
+            <a:schemeClr val="accent5"/>
+          </a:effectRef>
+          <a:fontRef idx="minor">
+            <a:schemeClr val="lt1"/>
+          </a:fontRef>
+        </p:style>
+        <p:txBody>
+          <a:bodyPr rtlCol="0" anchor="ctr"/>
+          <a:lstStyle/>
+          <a:p>
+            <a:pPr algn="ctr"/>
+            <a:endParaRPr lang="en-US" dirty="0"/>
+          </a:p>
+        </p:txBody>
+      </p:sp>
+      <p:sp>
+        <p:nvSpPr>
+          <p:cNvPr id="7" name="Down Arrow 6"/>
+          <p:cNvSpPr/>
+          <p:nvPr/>
+        </p:nvSpPr>
+        <p:spPr>
+          <a:xfrm rot="10800000">
+            <a:off x="3466730" y="2565646"/>
+            <a:ext cx="284085" cy="470516"/>
+          </a:xfrm>
+          <a:prstGeom prst="downArrow">
+            <a:avLst/>
+          </a:prstGeom>
+        </p:spPr>
+        <p:style>
+          <a:lnRef idx="2">
+            <a:schemeClr val="accent5">
+              <a:shade val="50000"/>
+            </a:schemeClr>
+          </a:lnRef>
+          <a:fillRef idx="1">
+            <a:schemeClr val="accent5"/>
+          </a:fillRef>
+          <a:effectRef idx="0">
+            <a:schemeClr val="accent5"/>
+          </a:effectRef>
+          <a:fontRef idx="minor">
+            <a:schemeClr val="lt1"/>
+          </a:fontRef>
+        </p:style>
+        <p:txBody>
+          <a:bodyPr rtlCol="0" anchor="ctr"/>
+          <a:lstStyle/>
+          <a:p>
+            <a:pPr algn="ctr"/>
+            <a:endParaRPr lang="en-US"/>
+          </a:p>
+        </p:txBody>
+      </p:sp>
+      <p:sp>
+        <p:nvSpPr>
+          <p:cNvPr id="8" name="Rounded Rectangle 7"/>
+          <p:cNvSpPr/>
+          <p:nvPr/>
+        </p:nvSpPr>
+        <p:spPr>
+          <a:xfrm>
+            <a:off x="1251751" y="3187082"/>
+            <a:ext cx="8034292" cy="2627791"/>
+          </a:xfrm>
+          <a:prstGeom prst="roundRect">
+            <a:avLst/>
+          </a:prstGeom>
+        </p:spPr>
+        <p:style>
+          <a:lnRef idx="2">
+            <a:schemeClr val="accent4">
+              <a:shade val="50000"/>
+            </a:schemeClr>
+          </a:lnRef>
+          <a:fillRef idx="1">
+            <a:schemeClr val="accent4"/>
+          </a:fillRef>
+          <a:effectRef idx="0">
+            <a:schemeClr val="accent4"/>
+          </a:effectRef>
+          <a:fontRef idx="minor">
+            <a:schemeClr val="lt1"/>
+          </a:fontRef>
+        </p:style>
+        <p:txBody>
+          <a:bodyPr rtlCol="0" anchor="t"/>
+          <a:lstStyle/>
+          <a:p>
+            <a:r>
+              <a:rPr lang="en-US" dirty="0" smtClean="0"/>
+              <a:t>Shared Storage</a:t>
+            </a:r>
+            <a:endParaRPr lang="en-US" dirty="0"/>
+          </a:p>
+        </p:txBody>
+      </p:sp>
+      <p:sp>
+        <p:nvSpPr>
+          <p:cNvPr id="10" name="Can 9"/>
+          <p:cNvSpPr/>
+          <p:nvPr/>
+        </p:nvSpPr>
+        <p:spPr>
+          <a:xfrm>
+            <a:off x="1828800" y="4145872"/>
+            <a:ext cx="1322773" cy="1260629"/>
+          </a:xfrm>
+          <a:prstGeom prst="can">
+            <a:avLst/>
+          </a:prstGeom>
+        </p:spPr>
+        <p:style>
+          <a:lnRef idx="2">
+            <a:schemeClr val="accent1">
+              <a:shade val="50000"/>
+            </a:schemeClr>
+          </a:lnRef>
+          <a:fillRef idx="1">
+            <a:schemeClr val="accent1"/>
+          </a:fillRef>
+          <a:effectRef idx="0">
+            <a:schemeClr val="accent1"/>
+          </a:effectRef>
+          <a:fontRef idx="minor">
+            <a:schemeClr val="lt1"/>
+          </a:fontRef>
+        </p:style>
+        <p:txBody>
+          <a:bodyPr rtlCol="0" anchor="ctr"/>
+          <a:lstStyle/>
+          <a:p>
+            <a:pPr algn="ctr"/>
+            <a:r>
+              <a:rPr lang="en-US" dirty="0" smtClean="0"/>
+              <a:t>Local Storage</a:t>
+            </a:r>
+            <a:endParaRPr lang="en-US" dirty="0"/>
+          </a:p>
+        </p:txBody>
+      </p:sp>
+      <p:sp>
+        <p:nvSpPr>
+          <p:cNvPr id="12" name="Rectangle 11"/>
+          <p:cNvSpPr/>
+          <p:nvPr/>
+        </p:nvSpPr>
+        <p:spPr>
+          <a:xfrm>
+            <a:off x="3675354" y="4265720"/>
+            <a:ext cx="2543453" cy="1020932"/>
+          </a:xfrm>
+          <a:prstGeom prst="rect">
+            <a:avLst/>
+          </a:prstGeom>
+        </p:spPr>
+        <p:style>
+          <a:lnRef idx="2">
+            <a:schemeClr val="accent1">
+              <a:shade val="50000"/>
+            </a:schemeClr>
+          </a:lnRef>
+          <a:fillRef idx="1">
+            <a:schemeClr val="accent1"/>
+          </a:fillRef>
+          <a:effectRef idx="0">
+            <a:schemeClr val="accent1"/>
+          </a:effectRef>
+          <a:fontRef idx="minor">
+            <a:schemeClr val="lt1"/>
+          </a:fontRef>
+        </p:style>
+        <p:txBody>
+          <a:bodyPr rtlCol="0" anchor="ctr"/>
+          <a:lstStyle/>
+          <a:p>
+            <a:pPr algn="ctr"/>
+            <a:r>
+              <a:rPr lang="en-US" dirty="0" smtClean="0"/>
+              <a:t>Device 2</a:t>
+            </a:r>
+            <a:endParaRPr lang="en-US" dirty="0"/>
+          </a:p>
+        </p:txBody>
+      </p:sp>
+      <p:sp>
+        <p:nvSpPr>
+          <p:cNvPr id="13" name="Rectangle 12"/>
+          <p:cNvSpPr/>
+          <p:nvPr/>
+        </p:nvSpPr>
+        <p:spPr>
+          <a:xfrm>
+            <a:off x="6480698" y="4265720"/>
+            <a:ext cx="2543453" cy="1020932"/>
+          </a:xfrm>
+          <a:prstGeom prst="rect">
+            <a:avLst/>
+          </a:prstGeom>
+        </p:spPr>
+        <p:style>
+          <a:lnRef idx="2">
+            <a:schemeClr val="accent1">
+              <a:shade val="50000"/>
+            </a:schemeClr>
+          </a:lnRef>
+          <a:fillRef idx="1">
+            <a:schemeClr val="accent1"/>
+          </a:fillRef>
+          <a:effectRef idx="0">
+            <a:schemeClr val="accent1"/>
+          </a:effectRef>
+          <a:fontRef idx="minor">
+            <a:schemeClr val="lt1"/>
+          </a:fontRef>
+        </p:style>
+        <p:txBody>
+          <a:bodyPr rtlCol="0" anchor="ctr"/>
+          <a:lstStyle/>
+          <a:p>
+            <a:pPr algn="ctr"/>
+            <a:r>
+              <a:rPr lang="en-US" dirty="0" smtClean="0"/>
+              <a:t>Device n</a:t>
+            </a:r>
+            <a:endParaRPr lang="en-US" dirty="0"/>
+          </a:p>
+        </p:txBody>
+      </p:sp>
+      <p:sp>
+        <p:nvSpPr>
+          <p:cNvPr id="14" name="Rectangle 13"/>
+          <p:cNvSpPr/>
+          <p:nvPr/>
+        </p:nvSpPr>
+        <p:spPr>
+          <a:xfrm>
+            <a:off x="3675354" y="2697609"/>
+            <a:ext cx="660758" cy="338554"/>
+          </a:xfrm>
+          <a:prstGeom prst="rect">
+            <a:avLst/>
+          </a:prstGeom>
+          <a:noFill/>
+        </p:spPr>
+        <p:txBody>
+          <a:bodyPr wrap="none" lIns="91440" tIns="45720" rIns="91440" bIns="45720">
+            <a:spAutoFit/>
+          </a:bodyPr>
+          <a:lstStyle/>
+          <a:p>
+            <a:pPr algn="ctr"/>
+            <a:r>
+              <a:rPr lang="en-US" sz="1600" b="0" cap="none" spc="0" dirty="0" smtClean="0">
+                <a:ln w="0"/>
+                <a:solidFill>
+                  <a:schemeClr val="accent1"/>
+                </a:solidFill>
+                <a:effectLst>
+                  <a:outerShdw blurRad="38100" dist="25400" dir="5400000" algn="ctr" rotWithShape="0">
+                    <a:srgbClr val="6E747A">
+                      <a:alpha val="43000"/>
+                    </a:srgbClr>
+                  </a:outerShdw>
+                </a:effectLst>
+              </a:rPr>
+              <a:t>read</a:t>
+            </a:r>
+            <a:endParaRPr lang="en-US" sz="1600" b="0" cap="none" spc="0" dirty="0">
+              <a:ln w="0"/>
+              <a:solidFill>
+                <a:schemeClr val="accent1"/>
+              </a:solidFill>
+              <a:effectLst>
+                <a:outerShdw blurRad="38100" dist="25400" dir="5400000" algn="ctr" rotWithShape="0">
+                  <a:srgbClr val="6E747A">
+                    <a:alpha val="43000"/>
+                  </a:srgbClr>
+                </a:outerShdw>
+              </a:effectLst>
+            </a:endParaRPr>
+          </a:p>
+        </p:txBody>
+      </p:sp>
+      <p:sp>
+        <p:nvSpPr>
+          <p:cNvPr id="15" name="Rectangle 14"/>
+          <p:cNvSpPr/>
+          <p:nvPr/>
+        </p:nvSpPr>
+        <p:spPr>
+          <a:xfrm>
+            <a:off x="2419796" y="2697609"/>
+            <a:ext cx="660758" cy="338554"/>
+          </a:xfrm>
+          <a:prstGeom prst="rect">
+            <a:avLst/>
+          </a:prstGeom>
+          <a:noFill/>
+        </p:spPr>
+        <p:txBody>
+          <a:bodyPr wrap="none" lIns="91440" tIns="45720" rIns="91440" bIns="45720">
+            <a:spAutoFit/>
+          </a:bodyPr>
+          <a:lstStyle/>
+          <a:p>
+            <a:pPr algn="ctr"/>
+            <a:r>
+              <a:rPr lang="en-US" sz="1600" b="0" cap="none" spc="0" dirty="0" smtClean="0">
+                <a:ln w="0"/>
+                <a:solidFill>
+                  <a:schemeClr val="accent1"/>
+                </a:solidFill>
+                <a:effectLst>
+                  <a:outerShdw blurRad="38100" dist="25400" dir="5400000" algn="ctr" rotWithShape="0">
+                    <a:srgbClr val="6E747A">
+                      <a:alpha val="43000"/>
+                    </a:srgbClr>
+                  </a:outerShdw>
+                </a:effectLst>
+              </a:rPr>
+              <a:t>write</a:t>
+            </a:r>
+            <a:endParaRPr lang="en-US" sz="1600" b="0" cap="none" spc="0" dirty="0">
+              <a:ln w="0"/>
+              <a:solidFill>
+                <a:schemeClr val="accent1"/>
+              </a:solidFill>
+              <a:effectLst>
+                <a:outerShdw blurRad="38100" dist="25400" dir="5400000" algn="ctr" rotWithShape="0">
+                  <a:srgbClr val="6E747A">
+                    <a:alpha val="43000"/>
+                  </a:srgbClr>
+                </a:outerShdw>
+              </a:effectLst>
+            </a:endParaRPr>
+          </a:p>
+        </p:txBody>
+      </p:sp>
+    </p:spTree>
+    <p:extLst>
+      <p:ext uri="{BB962C8B-B14F-4D97-AF65-F5344CB8AC3E}">
+        <p14:creationId xmlns:p14="http://schemas.microsoft.com/office/powerpoint/2010/main" val="765064666"/>
+      </p:ext>
+    </p:extLst>
+  </p:cSld>
+  <p:clrMapOvr>
+    <a:masterClrMapping/>
+  </p:clrMapOvr>
+  <p:timing>
+    <p:tnLst>
+      <p:par>
+        <p:cTn id="1" dur="indefinite" restart="never" nodeType="tmRoot"/>
+      </p:par>
+    </p:tnLst>
+  </p:timing>
+</p:sld>
+</file>
+
+<file path=ppt/slides/slide15.xml><?xml version="1.0" encoding="utf-8"?>
+<p:sld xmlns:a="http://schemas.openxmlformats.org/drawingml/2006/main" xmlns:r="http://schemas.openxmlformats.org/officeDocument/2006/relationships" xmlns:p="http://schemas.openxmlformats.org/presentationml/2006/main">
+  <p:cSld>
+    <p:spTree>
+      <p:nvGrpSpPr>
+        <p:cNvPr id="1" name=""/>
+        <p:cNvGrpSpPr/>
+        <p:nvPr/>
+      </p:nvGrpSpPr>
+      <p:grpSpPr>
+        <a:xfrm>
+          <a:off x="0" y="0"/>
+          <a:ext cx="0" cy="0"/>
+          <a:chOff x="0" y="0"/>
+          <a:chExt cx="0" cy="0"/>
+        </a:xfrm>
+      </p:grpSpPr>
+      <p:sp>
+        <p:nvSpPr>
+          <p:cNvPr id="4" name="Rectangle 3"/>
+          <p:cNvSpPr/>
+          <p:nvPr/>
+        </p:nvSpPr>
+        <p:spPr>
+          <a:xfrm>
+            <a:off x="5881436" y="249535"/>
+            <a:ext cx="6000361" cy="923330"/>
+          </a:xfrm>
+          <a:prstGeom prst="rect">
+            <a:avLst/>
+          </a:prstGeom>
+          <a:noFill/>
+        </p:spPr>
+        <p:txBody>
+          <a:bodyPr wrap="none" lIns="91440" tIns="45720" rIns="91440" bIns="45720">
+            <a:spAutoFit/>
+          </a:bodyPr>
+          <a:lstStyle/>
+          <a:p>
+            <a:pPr algn="r" rtl="1"/>
+            <a:r>
+              <a:rPr lang="fa-IR" sz="5400" b="1" spc="50" dirty="0" smtClean="0">
+                <a:ln w="0"/>
+                <a:solidFill>
+                  <a:schemeClr val="bg2"/>
+                </a:solidFill>
+                <a:effectLst>
+                  <a:innerShdw blurRad="63500" dist="50800" dir="13500000">
+                    <a:srgbClr val="000000">
+                      <a:alpha val="50000"/>
+                    </a:srgbClr>
+                  </a:innerShdw>
+                </a:effectLst>
+                <a:cs typeface="B Nazanin" panose="00000400000000000000" pitchFamily="2" charset="-78"/>
+              </a:rPr>
+              <a:t>افزایش نرخ ذخیره‌سازی</a:t>
+            </a:r>
+            <a:endParaRPr lang="fa-IR" sz="5400" b="1" spc="50" dirty="0">
+              <a:ln w="0"/>
+              <a:solidFill>
+                <a:schemeClr val="bg2"/>
+              </a:solidFill>
+              <a:effectLst>
+                <a:innerShdw blurRad="63500" dist="50800" dir="13500000">
+                  <a:srgbClr val="000000">
+                    <a:alpha val="50000"/>
+                  </a:srgbClr>
+                </a:innerShdw>
+              </a:effectLst>
+              <a:cs typeface="B Nazanin" panose="00000400000000000000" pitchFamily="2" charset="-78"/>
+            </a:endParaRPr>
+          </a:p>
+        </p:txBody>
+      </p:sp>
+      <p:sp>
+        <p:nvSpPr>
+          <p:cNvPr id="6" name="Slide Number Placeholder 5"/>
+          <p:cNvSpPr>
+            <a:spLocks noGrp="1"/>
+          </p:cNvSpPr>
+          <p:nvPr>
+            <p:ph type="sldNum" sz="quarter" idx="12"/>
+          </p:nvPr>
+        </p:nvSpPr>
+        <p:spPr/>
+        <p:txBody>
+          <a:bodyPr/>
+          <a:lstStyle/>
+          <a:p>
+            <a:fld id="{5C26D530-B9E0-4354-AD45-D406AB899135}" type="slidenum">
+              <a:rPr lang="en-US" smtClean="0"/>
+              <a:t>15</a:t>
+            </a:fld>
+            <a:endParaRPr lang="en-US" dirty="0"/>
+          </a:p>
+        </p:txBody>
+      </p:sp>
+      <p:pic>
+        <p:nvPicPr>
+          <p:cNvPr id="5" name="Picture 4"/>
+          <p:cNvPicPr>
+            <a:picLocks noChangeAspect="1"/>
+          </p:cNvPicPr>
+          <p:nvPr/>
+        </p:nvPicPr>
+        <p:blipFill>
+          <a:blip r:embed="rId2">
+            <a:extLst>
+              <a:ext uri="{28A0092B-C50C-407E-A947-70E740481C1C}">
+                <a14:useLocalDpi xmlns:a14="http://schemas.microsoft.com/office/drawing/2010/main" val="0"/>
+              </a:ext>
+            </a:extLst>
+          </a:blip>
+          <a:stretch>
+            <a:fillRect/>
+          </a:stretch>
+        </p:blipFill>
+        <p:spPr>
+          <a:xfrm>
+            <a:off x="2027021" y="1417560"/>
+            <a:ext cx="7534275" cy="4591050"/>
+          </a:xfrm>
+          <a:prstGeom prst="rect">
+            <a:avLst/>
+          </a:prstGeom>
+        </p:spPr>
+      </p:pic>
+      <p:cxnSp>
+        <p:nvCxnSpPr>
+          <p:cNvPr id="7" name="Straight Connector 6"/>
+          <p:cNvCxnSpPr/>
+          <p:nvPr/>
+        </p:nvCxnSpPr>
+        <p:spPr>
+          <a:xfrm>
+            <a:off x="3888420" y="3444536"/>
+            <a:ext cx="621437" cy="17756"/>
+          </a:xfrm>
+          <a:prstGeom prst="line">
+            <a:avLst/>
+          </a:prstGeom>
+          <a:ln w="76200">
+            <a:solidFill>
+              <a:srgbClr val="C62324"/>
+            </a:solidFill>
+            <a:headEnd type="none" w="med" len="med"/>
+            <a:tailEnd type="arrow" w="med" len="med"/>
+          </a:ln>
+        </p:spPr>
+        <p:style>
+          <a:lnRef idx="1">
+            <a:schemeClr val="accent1"/>
+          </a:lnRef>
+          <a:fillRef idx="0">
+            <a:schemeClr val="accent1"/>
+          </a:fillRef>
+          <a:effectRef idx="0">
+            <a:schemeClr val="accent1"/>
+          </a:effectRef>
+          <a:fontRef idx="minor">
+            <a:schemeClr val="tx1"/>
+          </a:fontRef>
+        </p:style>
+      </p:cxnSp>
+      <p:cxnSp>
+        <p:nvCxnSpPr>
+          <p:cNvPr id="8" name="Straight Connector 7"/>
+          <p:cNvCxnSpPr/>
+          <p:nvPr/>
+        </p:nvCxnSpPr>
+        <p:spPr>
+          <a:xfrm flipH="1">
+            <a:off x="3071674" y="3836634"/>
+            <a:ext cx="269242" cy="335871"/>
+          </a:xfrm>
+          <a:prstGeom prst="line">
+            <a:avLst/>
+          </a:prstGeom>
+          <a:ln w="76200">
+            <a:solidFill>
+              <a:srgbClr val="C62324"/>
+            </a:solidFill>
+            <a:headEnd type="none" w="med" len="med"/>
+            <a:tailEnd type="arrow" w="med" len="med"/>
+          </a:ln>
+        </p:spPr>
+        <p:style>
+          <a:lnRef idx="1">
+            <a:schemeClr val="accent1"/>
+          </a:lnRef>
+          <a:fillRef idx="0">
+            <a:schemeClr val="accent1"/>
+          </a:fillRef>
+          <a:effectRef idx="0">
+            <a:schemeClr val="accent1"/>
+          </a:effectRef>
+          <a:fontRef idx="minor">
+            <a:schemeClr val="tx1"/>
+          </a:fontRef>
+        </p:style>
+      </p:cxnSp>
+      <p:cxnSp>
+        <p:nvCxnSpPr>
+          <p:cNvPr id="12" name="Straight Connector 11"/>
+          <p:cNvCxnSpPr/>
+          <p:nvPr/>
+        </p:nvCxnSpPr>
+        <p:spPr>
+          <a:xfrm>
+            <a:off x="3349794" y="2530135"/>
+            <a:ext cx="0" cy="541538"/>
+          </a:xfrm>
+          <a:prstGeom prst="line">
+            <a:avLst/>
+          </a:prstGeom>
+          <a:ln w="76200">
+            <a:solidFill>
+              <a:srgbClr val="C62324"/>
+            </a:solidFill>
+            <a:headEnd type="none" w="med" len="med"/>
+            <a:tailEnd type="arrow" w="med" len="med"/>
+          </a:ln>
+        </p:spPr>
+        <p:style>
+          <a:lnRef idx="1">
+            <a:schemeClr val="accent1"/>
+          </a:lnRef>
+          <a:fillRef idx="0">
+            <a:schemeClr val="accent1"/>
+          </a:fillRef>
+          <a:effectRef idx="0">
+            <a:schemeClr val="accent1"/>
+          </a:effectRef>
+          <a:fontRef idx="minor">
+            <a:schemeClr val="tx1"/>
+          </a:fontRef>
+        </p:style>
+      </p:cxnSp>
+    </p:spTree>
+    <p:extLst>
+      <p:ext uri="{BB962C8B-B14F-4D97-AF65-F5344CB8AC3E}">
+        <p14:creationId xmlns:p14="http://schemas.microsoft.com/office/powerpoint/2010/main" val="2913138396"/>
+      </p:ext>
+    </p:extLst>
+  </p:cSld>
+  <p:clrMapOvr>
+    <a:masterClrMapping/>
+  </p:clrMapOvr>
+  <p:timing>
+    <p:tnLst>
+      <p:par>
+        <p:cTn id="1" dur="indefinite" restart="never" nodeType="tmRoot"/>
+      </p:par>
+    </p:tnLst>
+  </p:timing>
+</p:sld>
+</file>
+
+<file path=ppt/slides/slide16.xml><?xml version="1.0" encoding="utf-8"?>
+<p:sld xmlns:a="http://schemas.openxmlformats.org/drawingml/2006/main" xmlns:r="http://schemas.openxmlformats.org/officeDocument/2006/relationships" xmlns:p="http://schemas.openxmlformats.org/presentationml/2006/main">
+  <p:cSld>
+    <p:spTree>
+      <p:nvGrpSpPr>
+        <p:cNvPr id="1" name=""/>
+        <p:cNvGrpSpPr/>
+        <p:nvPr/>
+      </p:nvGrpSpPr>
+      <p:grpSpPr>
+        <a:xfrm>
+          <a:off x="0" y="0"/>
+          <a:ext cx="0" cy="0"/>
+          <a:chOff x="0" y="0"/>
+          <a:chExt cx="0" cy="0"/>
+        </a:xfrm>
+      </p:grpSpPr>
+      <p:sp>
+        <p:nvSpPr>
+          <p:cNvPr id="4" name="Rectangle 3"/>
+          <p:cNvSpPr/>
+          <p:nvPr/>
+        </p:nvSpPr>
+        <p:spPr>
+          <a:xfrm>
+            <a:off x="8385327" y="249535"/>
+            <a:ext cx="3496470" cy="923330"/>
+          </a:xfrm>
+          <a:prstGeom prst="rect">
+            <a:avLst/>
+          </a:prstGeom>
+          <a:noFill/>
+        </p:spPr>
+        <p:txBody>
+          <a:bodyPr wrap="none" lIns="91440" tIns="45720" rIns="91440" bIns="45720">
+            <a:spAutoFit/>
+          </a:bodyPr>
+          <a:lstStyle/>
+          <a:p>
+            <a:pPr algn="r" rtl="1"/>
+            <a:r>
+              <a:rPr lang="fa-IR" sz="5400" b="1" spc="50" dirty="0" smtClean="0">
+                <a:ln w="0"/>
+                <a:solidFill>
+                  <a:schemeClr val="bg2"/>
+                </a:solidFill>
+                <a:effectLst>
+                  <a:innerShdw blurRad="63500" dist="50800" dir="13500000">
+                    <a:srgbClr val="000000">
+                      <a:alpha val="50000"/>
+                    </a:srgbClr>
+                  </a:innerShdw>
+                </a:effectLst>
+                <a:cs typeface="B Nazanin" panose="00000400000000000000" pitchFamily="2" charset="-78"/>
+              </a:rPr>
+              <a:t>مسیر پیش رو</a:t>
+            </a:r>
+            <a:endParaRPr lang="fa-IR" sz="5400" b="1" spc="50" dirty="0">
+              <a:ln w="0"/>
+              <a:solidFill>
+                <a:schemeClr val="bg2"/>
+              </a:solidFill>
+              <a:effectLst>
+                <a:innerShdw blurRad="63500" dist="50800" dir="13500000">
+                  <a:srgbClr val="000000">
+                    <a:alpha val="50000"/>
+                  </a:srgbClr>
+                </a:innerShdw>
+              </a:effectLst>
+              <a:cs typeface="B Nazanin" panose="00000400000000000000" pitchFamily="2" charset="-78"/>
+            </a:endParaRPr>
+          </a:p>
+        </p:txBody>
+      </p:sp>
+      <p:sp>
+        <p:nvSpPr>
+          <p:cNvPr id="6" name="Slide Number Placeholder 5"/>
+          <p:cNvSpPr>
+            <a:spLocks noGrp="1"/>
+          </p:cNvSpPr>
+          <p:nvPr>
+            <p:ph type="sldNum" sz="quarter" idx="12"/>
+          </p:nvPr>
+        </p:nvSpPr>
+        <p:spPr/>
+        <p:txBody>
+          <a:bodyPr/>
+          <a:lstStyle/>
+          <a:p>
+            <a:fld id="{5C26D530-B9E0-4354-AD45-D406AB899135}" type="slidenum">
+              <a:rPr lang="en-US" smtClean="0"/>
+              <a:t>16</a:t>
+            </a:fld>
+            <a:endParaRPr lang="en-US" dirty="0"/>
+          </a:p>
+        </p:txBody>
+      </p:sp>
+      <p:sp>
+        <p:nvSpPr>
+          <p:cNvPr id="9" name="Rectangle 8"/>
+          <p:cNvSpPr/>
+          <p:nvPr/>
+        </p:nvSpPr>
+        <p:spPr>
+          <a:xfrm>
+            <a:off x="79899" y="1491474"/>
+            <a:ext cx="10768599" cy="5016758"/>
+          </a:xfrm>
+          <a:prstGeom prst="rect">
+            <a:avLst/>
+          </a:prstGeom>
+          <a:noFill/>
+        </p:spPr>
+        <p:txBody>
           <a:bodyPr wrap="square" lIns="91440" tIns="45720" rIns="91440" bIns="45720">
             <a:spAutoFit/>
           </a:bodyPr>
           <a:lstStyle/>
           <a:p>
-            <a:pPr marL="685800" indent="-685800">
-              <a:buFont typeface="+mj-lt"/>
-              <a:buAutoNum type="arabicPeriod"/>
+            <a:pPr marL="685800" indent="-685800" algn="r" rtl="1">
+              <a:buFont typeface="Arial" panose="020B0604020202020204" pitchFamily="34" charset="0"/>
+              <a:buChar char="•"/>
             </a:pPr>
             <a:r>
-              <a:rPr lang="en-US" b="1" spc="50" dirty="0" err="1" smtClean="0">
+              <a:rPr lang="fa-IR" sz="3200" b="1" spc="50" dirty="0" smtClean="0">
                 <a:ln w="9525" cmpd="sng">
                   <a:solidFill>
                     <a:schemeClr val="accent1"/>
@@ -6382,10 +7624,16 @@
                 </a:effectLst>
                 <a:cs typeface="B Nazanin" panose="00000400000000000000" pitchFamily="2" charset="-78"/>
               </a:rPr>
-              <a:t>Suárez-Albela</a:t>
-            </a:r>
-            <a:r>
-              <a:rPr lang="en-US" b="1" spc="50" dirty="0" smtClean="0">
+              <a:t>مدیریت کلیدهای ذخیره‌سازی</a:t>
+            </a:r>
+          </a:p>
+          <a:p>
+            <a:pPr marL="685800" indent="-685800" algn="r" rtl="1">
+              <a:buFont typeface="Arial" panose="020B0604020202020204" pitchFamily="34" charset="0"/>
+              <a:buChar char="•"/>
+            </a:pPr>
+            <a:r>
+              <a:rPr lang="fa-IR" sz="3200" b="1" spc="50" dirty="0" smtClean="0">
                 <a:ln w="9525" cmpd="sng">
                   <a:solidFill>
                     <a:schemeClr val="accent1"/>
@@ -6406,10 +7654,16 @@
                 </a:effectLst>
                 <a:cs typeface="B Nazanin" panose="00000400000000000000" pitchFamily="2" charset="-78"/>
               </a:rPr>
-              <a:t>, M.; </a:t>
-            </a:r>
-            <a:r>
-              <a:rPr lang="en-US" b="1" spc="50" dirty="0" err="1" smtClean="0">
+              <a:t>مدیریت فضای ذخیره‌سازی</a:t>
+            </a:r>
+          </a:p>
+          <a:p>
+            <a:pPr marL="1143000" lvl="1" indent="-685800" algn="r" rtl="1">
+              <a:buFont typeface="Arial" panose="020B0604020202020204" pitchFamily="34" charset="0"/>
+              <a:buChar char="•"/>
+            </a:pPr>
+            <a:r>
+              <a:rPr lang="fa-IR" sz="3200" b="1" spc="50" dirty="0" smtClean="0">
                 <a:ln w="9525" cmpd="sng">
                   <a:solidFill>
                     <a:schemeClr val="accent1"/>
@@ -6430,10 +7684,16 @@
                 </a:effectLst>
                 <a:cs typeface="B Nazanin" panose="00000400000000000000" pitchFamily="2" charset="-78"/>
               </a:rPr>
-              <a:t>Fraga</a:t>
-            </a:r>
-            <a:r>
-              <a:rPr lang="en-US" b="1" spc="50" dirty="0" smtClean="0">
+              <a:t>تصمیم‌گیری در مورد محلی بودن / نبون داده</a:t>
+            </a:r>
+          </a:p>
+          <a:p>
+            <a:pPr marL="1143000" lvl="1" indent="-685800" algn="r" rtl="1">
+              <a:buFont typeface="Arial" panose="020B0604020202020204" pitchFamily="34" charset="0"/>
+              <a:buChar char="•"/>
+            </a:pPr>
+            <a:r>
+              <a:rPr lang="fa-IR" sz="3200" b="1" spc="50" dirty="0" smtClean="0">
                 <a:ln w="9525" cmpd="sng">
                   <a:solidFill>
                     <a:schemeClr val="accent1"/>
@@ -6454,10 +7714,16 @@
                 </a:effectLst>
                 <a:cs typeface="B Nazanin" panose="00000400000000000000" pitchFamily="2" charset="-78"/>
               </a:rPr>
-              <a:t>-Lamas, P.; </a:t>
-            </a:r>
-            <a:r>
-              <a:rPr lang="en-US" b="1" spc="50" dirty="0" err="1" smtClean="0">
+              <a:t>تنظیم حد آستانه تکمیل ظرفیت محلی</a:t>
+            </a:r>
+          </a:p>
+          <a:p>
+            <a:pPr marL="685800" indent="-685800" algn="r" rtl="1">
+              <a:buFont typeface="Arial" panose="020B0604020202020204" pitchFamily="34" charset="0"/>
+              <a:buChar char="•"/>
+            </a:pPr>
+            <a:r>
+              <a:rPr lang="fa-IR" sz="3200" b="1" spc="50" dirty="0" smtClean="0">
                 <a:ln w="9525" cmpd="sng">
                   <a:solidFill>
                     <a:schemeClr val="accent1"/>
@@ -6478,10 +7744,16 @@
                 </a:effectLst>
                 <a:cs typeface="B Nazanin" panose="00000400000000000000" pitchFamily="2" charset="-78"/>
               </a:rPr>
-              <a:t>Fernández-Caramés</a:t>
-            </a:r>
-            <a:r>
-              <a:rPr lang="en-US" b="1" spc="50" dirty="0" smtClean="0">
+              <a:t>تنظیم تعداد و حجم تسهیم فضا در ذخیره‌سازی موازی</a:t>
+            </a:r>
+          </a:p>
+          <a:p>
+            <a:pPr marL="1143000" lvl="1" indent="-685800" algn="r" rtl="1">
+              <a:buFont typeface="Arial" panose="020B0604020202020204" pitchFamily="34" charset="0"/>
+              <a:buChar char="•"/>
+            </a:pPr>
+            <a:r>
+              <a:rPr lang="fa-IR" sz="3200" b="1" spc="50" dirty="0" smtClean="0">
                 <a:ln w="9525" cmpd="sng">
                   <a:solidFill>
                     <a:schemeClr val="accent1"/>
@@ -6502,10 +7774,10 @@
                 </a:effectLst>
                 <a:cs typeface="B Nazanin" panose="00000400000000000000" pitchFamily="2" charset="-78"/>
               </a:rPr>
-              <a:t>, T.M. A Practical Evaluation on RSA and ECC-Based Cipher Suites for </a:t>
-            </a:r>
-            <a:r>
-              <a:rPr lang="en-US" b="1" spc="50" dirty="0" err="1" smtClean="0">
+              <a:t>بررسی استانداردهای کنونی مانند </a:t>
+            </a:r>
+            <a:r>
+              <a:rPr lang="en-US" sz="3200" b="1" spc="50" dirty="0" smtClean="0">
                 <a:ln w="9525" cmpd="sng">
                   <a:solidFill>
                     <a:schemeClr val="accent1"/>
@@ -6526,33 +7798,9 @@
                 </a:effectLst>
                 <a:cs typeface="B Nazanin" panose="00000400000000000000" pitchFamily="2" charset="-78"/>
               </a:rPr>
-              <a:t>IoT</a:t>
-            </a:r>
-            <a:r>
-              <a:rPr lang="en-US" b="1" spc="50" dirty="0" smtClean="0">
-                <a:ln w="9525" cmpd="sng">
-                  <a:solidFill>
-                    <a:schemeClr val="accent1"/>
-                  </a:solidFill>
-                  <a:prstDash val="solid"/>
-                </a:ln>
-                <a:solidFill>
-                  <a:srgbClr val="70AD47">
-                    <a:tint val="1000"/>
-                  </a:srgbClr>
-                </a:solidFill>
-                <a:effectLst>
-                  <a:glow rad="38100">
-                    <a:schemeClr val="accent1">
-                      <a:alpha val="40000"/>
-                    </a:schemeClr>
-                  </a:glow>
-                </a:effectLst>
-                <a:cs typeface="B Nazanin" panose="00000400000000000000" pitchFamily="2" charset="-78"/>
-              </a:rPr>
-              <a:t> High-Security Energy-Efficient Fog and Mist Computing Devices. Sensors 2018, 18, 3868</a:t>
-            </a:r>
-            <a:endParaRPr lang="fa-IR" b="1" spc="50" dirty="0" smtClean="0">
+              <a:t>RAID</a:t>
+            </a:r>
+            <a:endParaRPr lang="fa-IR" sz="3200" b="1" spc="50" dirty="0" smtClean="0">
               <a:ln w="9525" cmpd="sng">
                 <a:solidFill>
                   <a:schemeClr val="accent1"/>
@@ -6574,6 +7822,1512 @@
               <a:cs typeface="B Nazanin" panose="00000400000000000000" pitchFamily="2" charset="-78"/>
             </a:endParaRPr>
           </a:p>
+          <a:p>
+            <a:pPr marL="685800" indent="-685800" algn="r" rtl="1">
+              <a:buFont typeface="Arial" panose="020B0604020202020204" pitchFamily="34" charset="0"/>
+              <a:buChar char="•"/>
+            </a:pPr>
+            <a:r>
+              <a:rPr lang="fa-IR" sz="3200" b="1" spc="50" dirty="0" smtClean="0">
+                <a:ln w="9525" cmpd="sng">
+                  <a:solidFill>
+                    <a:schemeClr val="accent1"/>
+                  </a:solidFill>
+                  <a:prstDash val="solid"/>
+                </a:ln>
+                <a:solidFill>
+                  <a:srgbClr val="70AD47">
+                    <a:tint val="1000"/>
+                  </a:srgbClr>
+                </a:solidFill>
+                <a:effectLst>
+                  <a:glow rad="38100">
+                    <a:schemeClr val="accent1">
+                      <a:alpha val="40000"/>
+                    </a:schemeClr>
+                  </a:glow>
+                </a:effectLst>
+                <a:cs typeface="B Nazanin" panose="00000400000000000000" pitchFamily="2" charset="-78"/>
+              </a:rPr>
+              <a:t>شخصی‌سازی پروتکل کشف سرویس در راستای نیازمندی‌های مرتبط</a:t>
+            </a:r>
+          </a:p>
+          <a:p>
+            <a:pPr marL="1143000" lvl="1" indent="-685800" algn="r" rtl="1">
+              <a:buFont typeface="Arial" panose="020B0604020202020204" pitchFamily="34" charset="0"/>
+              <a:buChar char="•"/>
+            </a:pPr>
+            <a:r>
+              <a:rPr lang="fa-IR" sz="3200" b="1" spc="50" dirty="0" smtClean="0">
+                <a:ln w="9525" cmpd="sng">
+                  <a:solidFill>
+                    <a:schemeClr val="accent1"/>
+                  </a:solidFill>
+                  <a:prstDash val="solid"/>
+                </a:ln>
+                <a:solidFill>
+                  <a:srgbClr val="70AD47">
+                    <a:tint val="1000"/>
+                  </a:srgbClr>
+                </a:solidFill>
+                <a:effectLst>
+                  <a:glow rad="38100">
+                    <a:schemeClr val="accent1">
+                      <a:alpha val="40000"/>
+                    </a:schemeClr>
+                  </a:glow>
+                </a:effectLst>
+                <a:cs typeface="B Nazanin" panose="00000400000000000000" pitchFamily="2" charset="-78"/>
+              </a:rPr>
+              <a:t>مانند تعیین میزان فضای مورد نیاز در سرویس‌های تحت جستجو</a:t>
+            </a:r>
+          </a:p>
+          <a:p>
+            <a:pPr marL="685800" indent="-685800" algn="r" rtl="1">
+              <a:buFont typeface="Arial" panose="020B0604020202020204" pitchFamily="34" charset="0"/>
+              <a:buChar char="•"/>
+            </a:pPr>
+            <a:r>
+              <a:rPr lang="fa-IR" sz="3200" b="1" spc="50" dirty="0" smtClean="0">
+                <a:ln w="9525" cmpd="sng">
+                  <a:solidFill>
+                    <a:schemeClr val="accent1"/>
+                  </a:solidFill>
+                  <a:prstDash val="solid"/>
+                </a:ln>
+                <a:solidFill>
+                  <a:srgbClr val="70AD47">
+                    <a:tint val="1000"/>
+                  </a:srgbClr>
+                </a:solidFill>
+                <a:effectLst>
+                  <a:glow rad="38100">
+                    <a:schemeClr val="accent1">
+                      <a:alpha val="40000"/>
+                    </a:schemeClr>
+                  </a:glow>
+                </a:effectLst>
+                <a:cs typeface="B Nazanin" panose="00000400000000000000" pitchFamily="2" charset="-78"/>
+              </a:rPr>
+              <a:t>در نظر گرفتن ملاحظات امنیتی</a:t>
+            </a:r>
+          </a:p>
+          <a:p>
+            <a:pPr marL="685800" indent="-685800" algn="r" rtl="1">
+              <a:buFont typeface="Arial" panose="020B0604020202020204" pitchFamily="34" charset="0"/>
+              <a:buChar char="•"/>
+            </a:pPr>
+            <a:endParaRPr lang="fa-IR" sz="3200" b="1" spc="50" dirty="0" smtClean="0">
+              <a:ln w="9525" cmpd="sng">
+                <a:solidFill>
+                  <a:schemeClr val="accent1"/>
+                </a:solidFill>
+                <a:prstDash val="solid"/>
+              </a:ln>
+              <a:solidFill>
+                <a:srgbClr val="70AD47">
+                  <a:tint val="1000"/>
+                </a:srgbClr>
+              </a:solidFill>
+              <a:effectLst>
+                <a:glow rad="38100">
+                  <a:schemeClr val="accent1">
+                    <a:alpha val="40000"/>
+                  </a:schemeClr>
+                </a:glow>
+              </a:effectLst>
+              <a:cs typeface="B Nazanin" panose="00000400000000000000" pitchFamily="2" charset="-78"/>
+            </a:endParaRPr>
+          </a:p>
+        </p:txBody>
+      </p:sp>
+      <p:pic>
+        <p:nvPicPr>
+          <p:cNvPr id="3" name="Picture 2"/>
+          <p:cNvPicPr>
+            <a:picLocks noChangeAspect="1"/>
+          </p:cNvPicPr>
+          <p:nvPr/>
+        </p:nvPicPr>
+        <p:blipFill>
+          <a:blip r:embed="rId2" cstate="print">
+            <a:extLst>
+              <a:ext uri="{28A0092B-C50C-407E-A947-70E740481C1C}">
+                <a14:useLocalDpi xmlns:a14="http://schemas.microsoft.com/office/drawing/2010/main" val="0"/>
+              </a:ext>
+            </a:extLst>
+          </a:blip>
+          <a:stretch>
+            <a:fillRect/>
+          </a:stretch>
+        </p:blipFill>
+        <p:spPr>
+          <a:xfrm>
+            <a:off x="350749" y="506027"/>
+            <a:ext cx="2415666" cy="2599401"/>
+          </a:xfrm>
+          <a:prstGeom prst="rect">
+            <a:avLst/>
+          </a:prstGeom>
+        </p:spPr>
+      </p:pic>
+    </p:spTree>
+    <p:extLst>
+      <p:ext uri="{BB962C8B-B14F-4D97-AF65-F5344CB8AC3E}">
+        <p14:creationId xmlns:p14="http://schemas.microsoft.com/office/powerpoint/2010/main" val="1851567800"/>
+      </p:ext>
+    </p:extLst>
+  </p:cSld>
+  <p:clrMapOvr>
+    <a:masterClrMapping/>
+  </p:clrMapOvr>
+  <p:timing>
+    <p:tnLst>
+      <p:par>
+        <p:cTn id="1" dur="indefinite" restart="never" nodeType="tmRoot"/>
+      </p:par>
+    </p:tnLst>
+  </p:timing>
+</p:sld>
+</file>
+
+<file path=ppt/slides/slide17.xml><?xml version="1.0" encoding="utf-8"?>
+<p:sld xmlns:a="http://schemas.openxmlformats.org/drawingml/2006/main" xmlns:r="http://schemas.openxmlformats.org/officeDocument/2006/relationships" xmlns:p="http://schemas.openxmlformats.org/presentationml/2006/main">
+  <p:cSld>
+    <p:spTree>
+      <p:nvGrpSpPr>
+        <p:cNvPr id="1" name=""/>
+        <p:cNvGrpSpPr/>
+        <p:nvPr/>
+      </p:nvGrpSpPr>
+      <p:grpSpPr>
+        <a:xfrm>
+          <a:off x="0" y="0"/>
+          <a:ext cx="0" cy="0"/>
+          <a:chOff x="0" y="0"/>
+          <a:chExt cx="0" cy="0"/>
+        </a:xfrm>
+      </p:grpSpPr>
+      <p:sp>
+        <p:nvSpPr>
+          <p:cNvPr id="4" name="Rectangle 3"/>
+          <p:cNvSpPr/>
+          <p:nvPr/>
+        </p:nvSpPr>
+        <p:spPr>
+          <a:xfrm>
+            <a:off x="10185499" y="249535"/>
+            <a:ext cx="1696298" cy="923330"/>
+          </a:xfrm>
+          <a:prstGeom prst="rect">
+            <a:avLst/>
+          </a:prstGeom>
+          <a:noFill/>
+        </p:spPr>
+        <p:txBody>
+          <a:bodyPr wrap="none" lIns="91440" tIns="45720" rIns="91440" bIns="45720">
+            <a:spAutoFit/>
+          </a:bodyPr>
+          <a:lstStyle/>
+          <a:p>
+            <a:pPr algn="r" rtl="1"/>
+            <a:r>
+              <a:rPr lang="fa-IR" sz="5400" b="1" spc="50" dirty="0" smtClean="0">
+                <a:ln w="0"/>
+                <a:solidFill>
+                  <a:schemeClr val="bg2"/>
+                </a:solidFill>
+                <a:effectLst>
+                  <a:innerShdw blurRad="63500" dist="50800" dir="13500000">
+                    <a:srgbClr val="000000">
+                      <a:alpha val="50000"/>
+                    </a:srgbClr>
+                  </a:innerShdw>
+                </a:effectLst>
+                <a:cs typeface="B Nazanin" panose="00000400000000000000" pitchFamily="2" charset="-78"/>
+              </a:rPr>
+              <a:t>مراجع</a:t>
+            </a:r>
+            <a:endParaRPr lang="en-US" sz="5400" b="1" cap="none" spc="50" dirty="0">
+              <a:ln w="0"/>
+              <a:solidFill>
+                <a:schemeClr val="bg2"/>
+              </a:solidFill>
+              <a:effectLst>
+                <a:innerShdw blurRad="63500" dist="50800" dir="13500000">
+                  <a:srgbClr val="000000">
+                    <a:alpha val="50000"/>
+                  </a:srgbClr>
+                </a:innerShdw>
+              </a:effectLst>
+              <a:cs typeface="B Nazanin" panose="00000400000000000000" pitchFamily="2" charset="-78"/>
+            </a:endParaRPr>
+          </a:p>
+        </p:txBody>
+      </p:sp>
+      <p:sp>
+        <p:nvSpPr>
+          <p:cNvPr id="5" name="Rectangle 4"/>
+          <p:cNvSpPr/>
+          <p:nvPr/>
+        </p:nvSpPr>
+        <p:spPr>
+          <a:xfrm>
+            <a:off x="368300" y="1376065"/>
+            <a:ext cx="11683622" cy="4524315"/>
+          </a:xfrm>
+          <a:prstGeom prst="rect">
+            <a:avLst/>
+          </a:prstGeom>
+          <a:noFill/>
+        </p:spPr>
+        <p:txBody>
+          <a:bodyPr wrap="square" lIns="91440" tIns="45720" rIns="91440" bIns="45720">
+            <a:spAutoFit/>
+          </a:bodyPr>
+          <a:lstStyle/>
+          <a:p>
+            <a:r>
+              <a:rPr lang="en-US" b="1" spc="50" dirty="0" smtClean="0">
+                <a:ln w="9525" cmpd="sng">
+                  <a:solidFill>
+                    <a:schemeClr val="accent1"/>
+                  </a:solidFill>
+                  <a:prstDash val="solid"/>
+                </a:ln>
+                <a:solidFill>
+                  <a:srgbClr val="70AD47">
+                    <a:tint val="1000"/>
+                  </a:srgbClr>
+                </a:solidFill>
+                <a:effectLst>
+                  <a:glow rad="38100">
+                    <a:schemeClr val="accent1">
+                      <a:alpha val="40000"/>
+                    </a:schemeClr>
+                  </a:glow>
+                </a:effectLst>
+                <a:cs typeface="B Nazanin" panose="00000400000000000000" pitchFamily="2" charset="-78"/>
+              </a:rPr>
+              <a:t>[</a:t>
+            </a:r>
+            <a:r>
+              <a:rPr lang="en-US" b="1" spc="50" dirty="0">
+                <a:ln w="9525" cmpd="sng">
+                  <a:solidFill>
+                    <a:schemeClr val="accent1"/>
+                  </a:solidFill>
+                  <a:prstDash val="solid"/>
+                </a:ln>
+                <a:solidFill>
+                  <a:srgbClr val="70AD47">
+                    <a:tint val="1000"/>
+                  </a:srgbClr>
+                </a:solidFill>
+                <a:effectLst>
+                  <a:glow rad="38100">
+                    <a:schemeClr val="accent1">
+                      <a:alpha val="40000"/>
+                    </a:schemeClr>
+                  </a:glow>
+                </a:effectLst>
+                <a:cs typeface="B Nazanin" panose="00000400000000000000" pitchFamily="2" charset="-78"/>
+              </a:rPr>
+              <a:t>1] B. </a:t>
+            </a:r>
+            <a:r>
+              <a:rPr lang="en-US" b="1" spc="50" dirty="0" err="1">
+                <a:ln w="9525" cmpd="sng">
+                  <a:solidFill>
+                    <a:schemeClr val="accent1"/>
+                  </a:solidFill>
+                  <a:prstDash val="solid"/>
+                </a:ln>
+                <a:solidFill>
+                  <a:srgbClr val="70AD47">
+                    <a:tint val="1000"/>
+                  </a:srgbClr>
+                </a:solidFill>
+                <a:effectLst>
+                  <a:glow rad="38100">
+                    <a:schemeClr val="accent1">
+                      <a:alpha val="40000"/>
+                    </a:schemeClr>
+                  </a:glow>
+                </a:effectLst>
+                <a:cs typeface="B Nazanin" panose="00000400000000000000" pitchFamily="2" charset="-78"/>
+              </a:rPr>
+              <a:t>Donassolo</a:t>
+            </a:r>
+            <a:r>
+              <a:rPr lang="en-US" b="1" spc="50" dirty="0">
+                <a:ln w="9525" cmpd="sng">
+                  <a:solidFill>
+                    <a:schemeClr val="accent1"/>
+                  </a:solidFill>
+                  <a:prstDash val="solid"/>
+                </a:ln>
+                <a:solidFill>
+                  <a:srgbClr val="70AD47">
+                    <a:tint val="1000"/>
+                  </a:srgbClr>
+                </a:solidFill>
+                <a:effectLst>
+                  <a:glow rad="38100">
+                    <a:schemeClr val="accent1">
+                      <a:alpha val="40000"/>
+                    </a:schemeClr>
+                  </a:glow>
+                </a:effectLst>
+                <a:cs typeface="B Nazanin" panose="00000400000000000000" pitchFamily="2" charset="-78"/>
+              </a:rPr>
+              <a:t>, I. </a:t>
+            </a:r>
+            <a:r>
+              <a:rPr lang="en-US" b="1" spc="50" dirty="0" err="1">
+                <a:ln w="9525" cmpd="sng">
+                  <a:solidFill>
+                    <a:schemeClr val="accent1"/>
+                  </a:solidFill>
+                  <a:prstDash val="solid"/>
+                </a:ln>
+                <a:solidFill>
+                  <a:srgbClr val="70AD47">
+                    <a:tint val="1000"/>
+                  </a:srgbClr>
+                </a:solidFill>
+                <a:effectLst>
+                  <a:glow rad="38100">
+                    <a:schemeClr val="accent1">
+                      <a:alpha val="40000"/>
+                    </a:schemeClr>
+                  </a:glow>
+                </a:effectLst>
+                <a:cs typeface="B Nazanin" panose="00000400000000000000" pitchFamily="2" charset="-78"/>
+              </a:rPr>
+              <a:t>Fajjari</a:t>
+            </a:r>
+            <a:r>
+              <a:rPr lang="en-US" b="1" spc="50" dirty="0">
+                <a:ln w="9525" cmpd="sng">
+                  <a:solidFill>
+                    <a:schemeClr val="accent1"/>
+                  </a:solidFill>
+                  <a:prstDash val="solid"/>
+                </a:ln>
+                <a:solidFill>
+                  <a:srgbClr val="70AD47">
+                    <a:tint val="1000"/>
+                  </a:srgbClr>
+                </a:solidFill>
+                <a:effectLst>
+                  <a:glow rad="38100">
+                    <a:schemeClr val="accent1">
+                      <a:alpha val="40000"/>
+                    </a:schemeClr>
+                  </a:glow>
+                </a:effectLst>
+                <a:cs typeface="B Nazanin" panose="00000400000000000000" pitchFamily="2" charset="-78"/>
+              </a:rPr>
+              <a:t>, A. Legrand and P. </a:t>
+            </a:r>
+            <a:r>
+              <a:rPr lang="en-US" b="1" spc="50" dirty="0" err="1">
+                <a:ln w="9525" cmpd="sng">
+                  <a:solidFill>
+                    <a:schemeClr val="accent1"/>
+                  </a:solidFill>
+                  <a:prstDash val="solid"/>
+                </a:ln>
+                <a:solidFill>
+                  <a:srgbClr val="70AD47">
+                    <a:tint val="1000"/>
+                  </a:srgbClr>
+                </a:solidFill>
+                <a:effectLst>
+                  <a:glow rad="38100">
+                    <a:schemeClr val="accent1">
+                      <a:alpha val="40000"/>
+                    </a:schemeClr>
+                  </a:glow>
+                </a:effectLst>
+                <a:cs typeface="B Nazanin" panose="00000400000000000000" pitchFamily="2" charset="-78"/>
+              </a:rPr>
+              <a:t>Mertikopoulos</a:t>
+            </a:r>
+            <a:r>
+              <a:rPr lang="en-US" b="1" spc="50" dirty="0">
+                <a:ln w="9525" cmpd="sng">
+                  <a:solidFill>
+                    <a:schemeClr val="accent1"/>
+                  </a:solidFill>
+                  <a:prstDash val="solid"/>
+                </a:ln>
+                <a:solidFill>
+                  <a:srgbClr val="70AD47">
+                    <a:tint val="1000"/>
+                  </a:srgbClr>
+                </a:solidFill>
+                <a:effectLst>
+                  <a:glow rad="38100">
+                    <a:schemeClr val="accent1">
+                      <a:alpha val="40000"/>
+                    </a:schemeClr>
+                  </a:glow>
+                </a:effectLst>
+                <a:cs typeface="B Nazanin" panose="00000400000000000000" pitchFamily="2" charset="-78"/>
+              </a:rPr>
+              <a:t>, "Fog Based Framework for </a:t>
+            </a:r>
+            <a:r>
+              <a:rPr lang="en-US" b="1" spc="50" dirty="0" err="1">
+                <a:ln w="9525" cmpd="sng">
+                  <a:solidFill>
+                    <a:schemeClr val="accent1"/>
+                  </a:solidFill>
+                  <a:prstDash val="solid"/>
+                </a:ln>
+                <a:solidFill>
+                  <a:srgbClr val="70AD47">
+                    <a:tint val="1000"/>
+                  </a:srgbClr>
+                </a:solidFill>
+                <a:effectLst>
+                  <a:glow rad="38100">
+                    <a:schemeClr val="accent1">
+                      <a:alpha val="40000"/>
+                    </a:schemeClr>
+                  </a:glow>
+                </a:effectLst>
+                <a:cs typeface="B Nazanin" panose="00000400000000000000" pitchFamily="2" charset="-78"/>
+              </a:rPr>
+              <a:t>IoT</a:t>
+            </a:r>
+            <a:r>
+              <a:rPr lang="en-US" b="1" spc="50" dirty="0">
+                <a:ln w="9525" cmpd="sng">
+                  <a:solidFill>
+                    <a:schemeClr val="accent1"/>
+                  </a:solidFill>
+                  <a:prstDash val="solid"/>
+                </a:ln>
+                <a:solidFill>
+                  <a:srgbClr val="70AD47">
+                    <a:tint val="1000"/>
+                  </a:srgbClr>
+                </a:solidFill>
+                <a:effectLst>
+                  <a:glow rad="38100">
+                    <a:schemeClr val="accent1">
+                      <a:alpha val="40000"/>
+                    </a:schemeClr>
+                  </a:glow>
+                </a:effectLst>
+                <a:cs typeface="B Nazanin" panose="00000400000000000000" pitchFamily="2" charset="-78"/>
+              </a:rPr>
+              <a:t> Service Provisioning," 16th IEEE Annual Consumer Communications &amp; Networking Conference (CCNC), pp. 1-6, 2019. </a:t>
+            </a:r>
+            <a:endParaRPr lang="en-US" b="1" spc="50" dirty="0" smtClean="0">
+              <a:ln w="9525" cmpd="sng">
+                <a:solidFill>
+                  <a:schemeClr val="accent1"/>
+                </a:solidFill>
+                <a:prstDash val="solid"/>
+              </a:ln>
+              <a:solidFill>
+                <a:srgbClr val="70AD47">
+                  <a:tint val="1000"/>
+                </a:srgbClr>
+              </a:solidFill>
+              <a:effectLst>
+                <a:glow rad="38100">
+                  <a:schemeClr val="accent1">
+                    <a:alpha val="40000"/>
+                  </a:schemeClr>
+                </a:glow>
+              </a:effectLst>
+              <a:cs typeface="B Nazanin" panose="00000400000000000000" pitchFamily="2" charset="-78"/>
+            </a:endParaRPr>
+          </a:p>
+          <a:p>
+            <a:endParaRPr lang="en-US" b="1" spc="50" dirty="0" smtClean="0">
+              <a:ln w="9525" cmpd="sng">
+                <a:solidFill>
+                  <a:schemeClr val="accent1"/>
+                </a:solidFill>
+                <a:prstDash val="solid"/>
+              </a:ln>
+              <a:solidFill>
+                <a:srgbClr val="70AD47">
+                  <a:tint val="1000"/>
+                </a:srgbClr>
+              </a:solidFill>
+              <a:effectLst>
+                <a:glow rad="38100">
+                  <a:schemeClr val="accent1">
+                    <a:alpha val="40000"/>
+                  </a:schemeClr>
+                </a:glow>
+              </a:effectLst>
+              <a:cs typeface="B Nazanin" panose="00000400000000000000" pitchFamily="2" charset="-78"/>
+            </a:endParaRPr>
+          </a:p>
+          <a:p>
+            <a:r>
+              <a:rPr lang="en-US" b="1" spc="50" dirty="0" smtClean="0">
+                <a:ln w="9525" cmpd="sng">
+                  <a:solidFill>
+                    <a:schemeClr val="accent1"/>
+                  </a:solidFill>
+                  <a:prstDash val="solid"/>
+                </a:ln>
+                <a:solidFill>
+                  <a:srgbClr val="70AD47">
+                    <a:tint val="1000"/>
+                  </a:srgbClr>
+                </a:solidFill>
+                <a:effectLst>
+                  <a:glow rad="38100">
+                    <a:schemeClr val="accent1">
+                      <a:alpha val="40000"/>
+                    </a:schemeClr>
+                  </a:glow>
+                </a:effectLst>
+                <a:cs typeface="B Nazanin" panose="00000400000000000000" pitchFamily="2" charset="-78"/>
+              </a:rPr>
+              <a:t>[</a:t>
+            </a:r>
+            <a:r>
+              <a:rPr lang="en-US" b="1" spc="50" dirty="0">
+                <a:ln w="9525" cmpd="sng">
+                  <a:solidFill>
+                    <a:schemeClr val="accent1"/>
+                  </a:solidFill>
+                  <a:prstDash val="solid"/>
+                </a:ln>
+                <a:solidFill>
+                  <a:srgbClr val="70AD47">
+                    <a:tint val="1000"/>
+                  </a:srgbClr>
+                </a:solidFill>
+                <a:effectLst>
+                  <a:glow rad="38100">
+                    <a:schemeClr val="accent1">
+                      <a:alpha val="40000"/>
+                    </a:schemeClr>
+                  </a:glow>
+                </a:effectLst>
+                <a:cs typeface="B Nazanin" panose="00000400000000000000" pitchFamily="2" charset="-78"/>
+              </a:rPr>
+              <a:t>2] T. Wang, J. Zhou, A. Liu, M. Z. A. </a:t>
+            </a:r>
+            <a:r>
+              <a:rPr lang="en-US" b="1" spc="50" dirty="0" err="1">
+                <a:ln w="9525" cmpd="sng">
+                  <a:solidFill>
+                    <a:schemeClr val="accent1"/>
+                  </a:solidFill>
+                  <a:prstDash val="solid"/>
+                </a:ln>
+                <a:solidFill>
+                  <a:srgbClr val="70AD47">
+                    <a:tint val="1000"/>
+                  </a:srgbClr>
+                </a:solidFill>
+                <a:effectLst>
+                  <a:glow rad="38100">
+                    <a:schemeClr val="accent1">
+                      <a:alpha val="40000"/>
+                    </a:schemeClr>
+                  </a:glow>
+                </a:effectLst>
+                <a:cs typeface="B Nazanin" panose="00000400000000000000" pitchFamily="2" charset="-78"/>
+              </a:rPr>
+              <a:t>Bhuiyan</a:t>
+            </a:r>
+            <a:r>
+              <a:rPr lang="en-US" b="1" spc="50" dirty="0">
+                <a:ln w="9525" cmpd="sng">
+                  <a:solidFill>
+                    <a:schemeClr val="accent1"/>
+                  </a:solidFill>
+                  <a:prstDash val="solid"/>
+                </a:ln>
+                <a:solidFill>
+                  <a:srgbClr val="70AD47">
+                    <a:tint val="1000"/>
+                  </a:srgbClr>
+                </a:solidFill>
+                <a:effectLst>
+                  <a:glow rad="38100">
+                    <a:schemeClr val="accent1">
+                      <a:alpha val="40000"/>
+                    </a:schemeClr>
+                  </a:glow>
+                </a:effectLst>
+                <a:cs typeface="B Nazanin" panose="00000400000000000000" pitchFamily="2" charset="-78"/>
+              </a:rPr>
+              <a:t>, G. Wang and W. </a:t>
+            </a:r>
+            <a:r>
+              <a:rPr lang="en-US" b="1" spc="50" dirty="0" err="1">
+                <a:ln w="9525" cmpd="sng">
+                  <a:solidFill>
+                    <a:schemeClr val="accent1"/>
+                  </a:solidFill>
+                  <a:prstDash val="solid"/>
+                </a:ln>
+                <a:solidFill>
+                  <a:srgbClr val="70AD47">
+                    <a:tint val="1000"/>
+                  </a:srgbClr>
+                </a:solidFill>
+                <a:effectLst>
+                  <a:glow rad="38100">
+                    <a:schemeClr val="accent1">
+                      <a:alpha val="40000"/>
+                    </a:schemeClr>
+                  </a:glow>
+                </a:effectLst>
+                <a:cs typeface="B Nazanin" panose="00000400000000000000" pitchFamily="2" charset="-78"/>
+              </a:rPr>
+              <a:t>Jia</a:t>
+            </a:r>
+            <a:r>
+              <a:rPr lang="en-US" b="1" spc="50" dirty="0">
+                <a:ln w="9525" cmpd="sng">
+                  <a:solidFill>
+                    <a:schemeClr val="accent1"/>
+                  </a:solidFill>
+                  <a:prstDash val="solid"/>
+                </a:ln>
+                <a:solidFill>
+                  <a:srgbClr val="70AD47">
+                    <a:tint val="1000"/>
+                  </a:srgbClr>
+                </a:solidFill>
+                <a:effectLst>
+                  <a:glow rad="38100">
+                    <a:schemeClr val="accent1">
+                      <a:alpha val="40000"/>
+                    </a:schemeClr>
+                  </a:glow>
+                </a:effectLst>
+                <a:cs typeface="B Nazanin" panose="00000400000000000000" pitchFamily="2" charset="-78"/>
+              </a:rPr>
+              <a:t>, "Fog-Based Computing and </a:t>
+            </a:r>
+            <a:r>
+              <a:rPr lang="en-US" b="1" spc="50" dirty="0" smtClean="0">
+                <a:ln w="9525" cmpd="sng">
+                  <a:solidFill>
+                    <a:schemeClr val="accent1"/>
+                  </a:solidFill>
+                  <a:prstDash val="solid"/>
+                </a:ln>
+                <a:solidFill>
+                  <a:srgbClr val="70AD47">
+                    <a:tint val="1000"/>
+                  </a:srgbClr>
+                </a:solidFill>
+                <a:effectLst>
+                  <a:glow rad="38100">
+                    <a:schemeClr val="accent1">
+                      <a:alpha val="40000"/>
+                    </a:schemeClr>
+                  </a:glow>
+                </a:effectLst>
+                <a:cs typeface="B Nazanin" panose="00000400000000000000" pitchFamily="2" charset="-78"/>
+              </a:rPr>
+              <a:t>Storage </a:t>
+            </a:r>
+            <a:r>
+              <a:rPr lang="en-US" b="1" spc="50" dirty="0">
+                <a:ln w="9525" cmpd="sng">
+                  <a:solidFill>
+                    <a:schemeClr val="accent1"/>
+                  </a:solidFill>
+                  <a:prstDash val="solid"/>
+                </a:ln>
+                <a:solidFill>
+                  <a:srgbClr val="70AD47">
+                    <a:tint val="1000"/>
+                  </a:srgbClr>
+                </a:solidFill>
+                <a:effectLst>
+                  <a:glow rad="38100">
+                    <a:schemeClr val="accent1">
+                      <a:alpha val="40000"/>
+                    </a:schemeClr>
+                  </a:glow>
+                </a:effectLst>
+                <a:cs typeface="B Nazanin" panose="00000400000000000000" pitchFamily="2" charset="-78"/>
+              </a:rPr>
+              <a:t>Offloading for Data Synchronization in </a:t>
+            </a:r>
+            <a:r>
+              <a:rPr lang="en-US" b="1" spc="50" dirty="0" err="1">
+                <a:ln w="9525" cmpd="sng">
+                  <a:solidFill>
+                    <a:schemeClr val="accent1"/>
+                  </a:solidFill>
+                  <a:prstDash val="solid"/>
+                </a:ln>
+                <a:solidFill>
+                  <a:srgbClr val="70AD47">
+                    <a:tint val="1000"/>
+                  </a:srgbClr>
+                </a:solidFill>
+                <a:effectLst>
+                  <a:glow rad="38100">
+                    <a:schemeClr val="accent1">
+                      <a:alpha val="40000"/>
+                    </a:schemeClr>
+                  </a:glow>
+                </a:effectLst>
+                <a:cs typeface="B Nazanin" panose="00000400000000000000" pitchFamily="2" charset="-78"/>
+              </a:rPr>
+              <a:t>IoT</a:t>
+            </a:r>
+            <a:r>
+              <a:rPr lang="en-US" b="1" spc="50" dirty="0">
+                <a:ln w="9525" cmpd="sng">
+                  <a:solidFill>
+                    <a:schemeClr val="accent1"/>
+                  </a:solidFill>
+                  <a:prstDash val="solid"/>
+                </a:ln>
+                <a:solidFill>
+                  <a:srgbClr val="70AD47">
+                    <a:tint val="1000"/>
+                  </a:srgbClr>
+                </a:solidFill>
+                <a:effectLst>
+                  <a:glow rad="38100">
+                    <a:schemeClr val="accent1">
+                      <a:alpha val="40000"/>
+                    </a:schemeClr>
+                  </a:glow>
+                </a:effectLst>
+                <a:cs typeface="B Nazanin" panose="00000400000000000000" pitchFamily="2" charset="-78"/>
+              </a:rPr>
+              <a:t>," IEEE Internet of Things Journal, pp. 4272-4282, 2018. </a:t>
+            </a:r>
+            <a:endParaRPr lang="en-US" b="1" spc="50" dirty="0" smtClean="0">
+              <a:ln w="9525" cmpd="sng">
+                <a:solidFill>
+                  <a:schemeClr val="accent1"/>
+                </a:solidFill>
+                <a:prstDash val="solid"/>
+              </a:ln>
+              <a:solidFill>
+                <a:srgbClr val="70AD47">
+                  <a:tint val="1000"/>
+                </a:srgbClr>
+              </a:solidFill>
+              <a:effectLst>
+                <a:glow rad="38100">
+                  <a:schemeClr val="accent1">
+                    <a:alpha val="40000"/>
+                  </a:schemeClr>
+                </a:glow>
+              </a:effectLst>
+              <a:cs typeface="B Nazanin" panose="00000400000000000000" pitchFamily="2" charset="-78"/>
+            </a:endParaRPr>
+          </a:p>
+          <a:p>
+            <a:endParaRPr lang="en-US" b="1" spc="50" dirty="0" smtClean="0">
+              <a:ln w="9525" cmpd="sng">
+                <a:solidFill>
+                  <a:schemeClr val="accent1"/>
+                </a:solidFill>
+                <a:prstDash val="solid"/>
+              </a:ln>
+              <a:solidFill>
+                <a:srgbClr val="70AD47">
+                  <a:tint val="1000"/>
+                </a:srgbClr>
+              </a:solidFill>
+              <a:effectLst>
+                <a:glow rad="38100">
+                  <a:schemeClr val="accent1">
+                    <a:alpha val="40000"/>
+                  </a:schemeClr>
+                </a:glow>
+              </a:effectLst>
+              <a:cs typeface="B Nazanin" panose="00000400000000000000" pitchFamily="2" charset="-78"/>
+            </a:endParaRPr>
+          </a:p>
+          <a:p>
+            <a:r>
+              <a:rPr lang="en-US" b="1" spc="50" dirty="0" smtClean="0">
+                <a:ln w="9525" cmpd="sng">
+                  <a:solidFill>
+                    <a:schemeClr val="accent1"/>
+                  </a:solidFill>
+                  <a:prstDash val="solid"/>
+                </a:ln>
+                <a:solidFill>
+                  <a:srgbClr val="70AD47">
+                    <a:tint val="1000"/>
+                  </a:srgbClr>
+                </a:solidFill>
+                <a:effectLst>
+                  <a:glow rad="38100">
+                    <a:schemeClr val="accent1">
+                      <a:alpha val="40000"/>
+                    </a:schemeClr>
+                  </a:glow>
+                </a:effectLst>
+                <a:cs typeface="B Nazanin" panose="00000400000000000000" pitchFamily="2" charset="-78"/>
+              </a:rPr>
+              <a:t>[</a:t>
+            </a:r>
+            <a:r>
+              <a:rPr lang="en-US" b="1" spc="50" dirty="0">
+                <a:ln w="9525" cmpd="sng">
+                  <a:solidFill>
+                    <a:schemeClr val="accent1"/>
+                  </a:solidFill>
+                  <a:prstDash val="solid"/>
+                </a:ln>
+                <a:solidFill>
+                  <a:srgbClr val="70AD47">
+                    <a:tint val="1000"/>
+                  </a:srgbClr>
+                </a:solidFill>
+                <a:effectLst>
+                  <a:glow rad="38100">
+                    <a:schemeClr val="accent1">
+                      <a:alpha val="40000"/>
+                    </a:schemeClr>
+                  </a:glow>
+                </a:effectLst>
+                <a:cs typeface="B Nazanin" panose="00000400000000000000" pitchFamily="2" charset="-78"/>
+              </a:rPr>
+              <a:t>3] F. </a:t>
+            </a:r>
+            <a:r>
+              <a:rPr lang="en-US" b="1" spc="50" dirty="0" err="1">
+                <a:ln w="9525" cmpd="sng">
+                  <a:solidFill>
+                    <a:schemeClr val="accent1"/>
+                  </a:solidFill>
+                  <a:prstDash val="solid"/>
+                </a:ln>
+                <a:solidFill>
+                  <a:srgbClr val="70AD47">
+                    <a:tint val="1000"/>
+                  </a:srgbClr>
+                </a:solidFill>
+                <a:effectLst>
+                  <a:glow rad="38100">
+                    <a:schemeClr val="accent1">
+                      <a:alpha val="40000"/>
+                    </a:schemeClr>
+                  </a:glow>
+                </a:effectLst>
+                <a:cs typeface="B Nazanin" panose="00000400000000000000" pitchFamily="2" charset="-78"/>
+              </a:rPr>
+              <a:t>Karatas</a:t>
+            </a:r>
+            <a:r>
+              <a:rPr lang="en-US" b="1" spc="50" dirty="0">
+                <a:ln w="9525" cmpd="sng">
+                  <a:solidFill>
+                    <a:schemeClr val="accent1"/>
+                  </a:solidFill>
+                  <a:prstDash val="solid"/>
+                </a:ln>
+                <a:solidFill>
+                  <a:srgbClr val="70AD47">
+                    <a:tint val="1000"/>
+                  </a:srgbClr>
+                </a:solidFill>
+                <a:effectLst>
+                  <a:glow rad="38100">
+                    <a:schemeClr val="accent1">
+                      <a:alpha val="40000"/>
+                    </a:schemeClr>
+                  </a:glow>
+                </a:effectLst>
+                <a:cs typeface="B Nazanin" panose="00000400000000000000" pitchFamily="2" charset="-78"/>
+              </a:rPr>
+              <a:t> and I. </a:t>
+            </a:r>
+            <a:r>
+              <a:rPr lang="en-US" b="1" spc="50" dirty="0" err="1">
+                <a:ln w="9525" cmpd="sng">
+                  <a:solidFill>
+                    <a:schemeClr val="accent1"/>
+                  </a:solidFill>
+                  <a:prstDash val="solid"/>
+                </a:ln>
+                <a:solidFill>
+                  <a:srgbClr val="70AD47">
+                    <a:tint val="1000"/>
+                  </a:srgbClr>
+                </a:solidFill>
+                <a:effectLst>
+                  <a:glow rad="38100">
+                    <a:schemeClr val="accent1">
+                      <a:alpha val="40000"/>
+                    </a:schemeClr>
+                  </a:glow>
+                </a:effectLst>
+                <a:cs typeface="B Nazanin" panose="00000400000000000000" pitchFamily="2" charset="-78"/>
+              </a:rPr>
+              <a:t>Korpeoglu</a:t>
+            </a:r>
+            <a:r>
+              <a:rPr lang="en-US" b="1" spc="50" dirty="0">
+                <a:ln w="9525" cmpd="sng">
+                  <a:solidFill>
+                    <a:schemeClr val="accent1"/>
+                  </a:solidFill>
+                  <a:prstDash val="solid"/>
+                </a:ln>
+                <a:solidFill>
+                  <a:srgbClr val="70AD47">
+                    <a:tint val="1000"/>
+                  </a:srgbClr>
+                </a:solidFill>
+                <a:effectLst>
+                  <a:glow rad="38100">
+                    <a:schemeClr val="accent1">
+                      <a:alpha val="40000"/>
+                    </a:schemeClr>
+                  </a:glow>
+                </a:effectLst>
+                <a:cs typeface="B Nazanin" panose="00000400000000000000" pitchFamily="2" charset="-78"/>
+              </a:rPr>
+              <a:t>, "Fog-Based Data Distribution Service (F-DAD) for Internet of Things (</a:t>
+            </a:r>
+            <a:r>
+              <a:rPr lang="en-US" b="1" spc="50" dirty="0" err="1">
+                <a:ln w="9525" cmpd="sng">
+                  <a:solidFill>
+                    <a:schemeClr val="accent1"/>
+                  </a:solidFill>
+                  <a:prstDash val="solid"/>
+                </a:ln>
+                <a:solidFill>
+                  <a:srgbClr val="70AD47">
+                    <a:tint val="1000"/>
+                  </a:srgbClr>
+                </a:solidFill>
+                <a:effectLst>
+                  <a:glow rad="38100">
+                    <a:schemeClr val="accent1">
+                      <a:alpha val="40000"/>
+                    </a:schemeClr>
+                  </a:glow>
+                </a:effectLst>
+                <a:cs typeface="B Nazanin" panose="00000400000000000000" pitchFamily="2" charset="-78"/>
+              </a:rPr>
+              <a:t>IoT</a:t>
+            </a:r>
+            <a:r>
+              <a:rPr lang="en-US" b="1" spc="50" dirty="0">
+                <a:ln w="9525" cmpd="sng">
+                  <a:solidFill>
+                    <a:schemeClr val="accent1"/>
+                  </a:solidFill>
+                  <a:prstDash val="solid"/>
+                </a:ln>
+                <a:solidFill>
+                  <a:srgbClr val="70AD47">
+                    <a:tint val="1000"/>
+                  </a:srgbClr>
+                </a:solidFill>
+                <a:effectLst>
+                  <a:glow rad="38100">
+                    <a:schemeClr val="accent1">
+                      <a:alpha val="40000"/>
+                    </a:schemeClr>
+                  </a:glow>
+                </a:effectLst>
+                <a:cs typeface="B Nazanin" panose="00000400000000000000" pitchFamily="2" charset="-78"/>
+              </a:rPr>
+              <a:t>) applications," Future Generation Computer Systems, vol. 93, pp. 156-169, 2019. </a:t>
+            </a:r>
+            <a:endParaRPr lang="en-US" b="1" spc="50" dirty="0" smtClean="0">
+              <a:ln w="9525" cmpd="sng">
+                <a:solidFill>
+                  <a:schemeClr val="accent1"/>
+                </a:solidFill>
+                <a:prstDash val="solid"/>
+              </a:ln>
+              <a:solidFill>
+                <a:srgbClr val="70AD47">
+                  <a:tint val="1000"/>
+                </a:srgbClr>
+              </a:solidFill>
+              <a:effectLst>
+                <a:glow rad="38100">
+                  <a:schemeClr val="accent1">
+                    <a:alpha val="40000"/>
+                  </a:schemeClr>
+                </a:glow>
+              </a:effectLst>
+              <a:cs typeface="B Nazanin" panose="00000400000000000000" pitchFamily="2" charset="-78"/>
+            </a:endParaRPr>
+          </a:p>
+          <a:p>
+            <a:endParaRPr lang="en-US" b="1" spc="50" dirty="0" smtClean="0">
+              <a:ln w="9525" cmpd="sng">
+                <a:solidFill>
+                  <a:schemeClr val="accent1"/>
+                </a:solidFill>
+                <a:prstDash val="solid"/>
+              </a:ln>
+              <a:solidFill>
+                <a:srgbClr val="70AD47">
+                  <a:tint val="1000"/>
+                </a:srgbClr>
+              </a:solidFill>
+              <a:effectLst>
+                <a:glow rad="38100">
+                  <a:schemeClr val="accent1">
+                    <a:alpha val="40000"/>
+                  </a:schemeClr>
+                </a:glow>
+              </a:effectLst>
+              <a:cs typeface="B Nazanin" panose="00000400000000000000" pitchFamily="2" charset="-78"/>
+            </a:endParaRPr>
+          </a:p>
+          <a:p>
+            <a:r>
+              <a:rPr lang="en-US" b="1" spc="50" dirty="0" smtClean="0">
+                <a:ln w="9525" cmpd="sng">
+                  <a:solidFill>
+                    <a:schemeClr val="accent1"/>
+                  </a:solidFill>
+                  <a:prstDash val="solid"/>
+                </a:ln>
+                <a:solidFill>
+                  <a:srgbClr val="70AD47">
+                    <a:tint val="1000"/>
+                  </a:srgbClr>
+                </a:solidFill>
+                <a:effectLst>
+                  <a:glow rad="38100">
+                    <a:schemeClr val="accent1">
+                      <a:alpha val="40000"/>
+                    </a:schemeClr>
+                  </a:glow>
+                </a:effectLst>
+                <a:cs typeface="B Nazanin" panose="00000400000000000000" pitchFamily="2" charset="-78"/>
+              </a:rPr>
+              <a:t>[</a:t>
+            </a:r>
+            <a:r>
+              <a:rPr lang="en-US" b="1" spc="50" dirty="0">
+                <a:ln w="9525" cmpd="sng">
+                  <a:solidFill>
+                    <a:schemeClr val="accent1"/>
+                  </a:solidFill>
+                  <a:prstDash val="solid"/>
+                </a:ln>
+                <a:solidFill>
+                  <a:srgbClr val="70AD47">
+                    <a:tint val="1000"/>
+                  </a:srgbClr>
+                </a:solidFill>
+                <a:effectLst>
+                  <a:glow rad="38100">
+                    <a:schemeClr val="accent1">
+                      <a:alpha val="40000"/>
+                    </a:schemeClr>
+                  </a:glow>
+                </a:effectLst>
+                <a:cs typeface="B Nazanin" panose="00000400000000000000" pitchFamily="2" charset="-78"/>
+              </a:rPr>
+              <a:t>4] F. Y. Okay and S. </a:t>
+            </a:r>
+            <a:r>
+              <a:rPr lang="en-US" b="1" spc="50" dirty="0" err="1">
+                <a:ln w="9525" cmpd="sng">
+                  <a:solidFill>
+                    <a:schemeClr val="accent1"/>
+                  </a:solidFill>
+                  <a:prstDash val="solid"/>
+                </a:ln>
+                <a:solidFill>
+                  <a:srgbClr val="70AD47">
+                    <a:tint val="1000"/>
+                  </a:srgbClr>
+                </a:solidFill>
+                <a:effectLst>
+                  <a:glow rad="38100">
+                    <a:schemeClr val="accent1">
+                      <a:alpha val="40000"/>
+                    </a:schemeClr>
+                  </a:glow>
+                </a:effectLst>
+                <a:cs typeface="B Nazanin" panose="00000400000000000000" pitchFamily="2" charset="-78"/>
+              </a:rPr>
+              <a:t>Ozdemir</a:t>
+            </a:r>
+            <a:r>
+              <a:rPr lang="en-US" b="1" spc="50" dirty="0">
+                <a:ln w="9525" cmpd="sng">
+                  <a:solidFill>
+                    <a:schemeClr val="accent1"/>
+                  </a:solidFill>
+                  <a:prstDash val="solid"/>
+                </a:ln>
+                <a:solidFill>
+                  <a:srgbClr val="70AD47">
+                    <a:tint val="1000"/>
+                  </a:srgbClr>
+                </a:solidFill>
+                <a:effectLst>
+                  <a:glow rad="38100">
+                    <a:schemeClr val="accent1">
+                      <a:alpha val="40000"/>
+                    </a:schemeClr>
+                  </a:glow>
+                </a:effectLst>
+                <a:cs typeface="B Nazanin" panose="00000400000000000000" pitchFamily="2" charset="-78"/>
+              </a:rPr>
+              <a:t>, "Routing in Fog-Enabled </a:t>
+            </a:r>
+            <a:r>
+              <a:rPr lang="en-US" b="1" spc="50" dirty="0" err="1">
+                <a:ln w="9525" cmpd="sng">
+                  <a:solidFill>
+                    <a:schemeClr val="accent1"/>
+                  </a:solidFill>
+                  <a:prstDash val="solid"/>
+                </a:ln>
+                <a:solidFill>
+                  <a:srgbClr val="70AD47">
+                    <a:tint val="1000"/>
+                  </a:srgbClr>
+                </a:solidFill>
+                <a:effectLst>
+                  <a:glow rad="38100">
+                    <a:schemeClr val="accent1">
+                      <a:alpha val="40000"/>
+                    </a:schemeClr>
+                  </a:glow>
+                </a:effectLst>
+                <a:cs typeface="B Nazanin" panose="00000400000000000000" pitchFamily="2" charset="-78"/>
+              </a:rPr>
+              <a:t>IoT</a:t>
+            </a:r>
+            <a:r>
+              <a:rPr lang="en-US" b="1" spc="50" dirty="0">
+                <a:ln w="9525" cmpd="sng">
+                  <a:solidFill>
+                    <a:schemeClr val="accent1"/>
+                  </a:solidFill>
+                  <a:prstDash val="solid"/>
+                </a:ln>
+                <a:solidFill>
+                  <a:srgbClr val="70AD47">
+                    <a:tint val="1000"/>
+                  </a:srgbClr>
+                </a:solidFill>
+                <a:effectLst>
+                  <a:glow rad="38100">
+                    <a:schemeClr val="accent1">
+                      <a:alpha val="40000"/>
+                    </a:schemeClr>
+                  </a:glow>
+                </a:effectLst>
+                <a:cs typeface="B Nazanin" panose="00000400000000000000" pitchFamily="2" charset="-78"/>
+              </a:rPr>
+              <a:t> Platforms: A Survey and an SDN-Based Solution," IEEE </a:t>
+            </a:r>
+            <a:r>
+              <a:rPr lang="en-US" b="1" spc="50" dirty="0" err="1">
+                <a:ln w="9525" cmpd="sng">
+                  <a:solidFill>
+                    <a:schemeClr val="accent1"/>
+                  </a:solidFill>
+                  <a:prstDash val="solid"/>
+                </a:ln>
+                <a:solidFill>
+                  <a:srgbClr val="70AD47">
+                    <a:tint val="1000"/>
+                  </a:srgbClr>
+                </a:solidFill>
+                <a:effectLst>
+                  <a:glow rad="38100">
+                    <a:schemeClr val="accent1">
+                      <a:alpha val="40000"/>
+                    </a:schemeClr>
+                  </a:glow>
+                </a:effectLst>
+                <a:cs typeface="B Nazanin" panose="00000400000000000000" pitchFamily="2" charset="-78"/>
+              </a:rPr>
+              <a:t>Intenet</a:t>
+            </a:r>
+            <a:r>
+              <a:rPr lang="en-US" b="1" spc="50" dirty="0">
+                <a:ln w="9525" cmpd="sng">
+                  <a:solidFill>
+                    <a:schemeClr val="accent1"/>
+                  </a:solidFill>
+                  <a:prstDash val="solid"/>
+                </a:ln>
+                <a:solidFill>
+                  <a:srgbClr val="70AD47">
+                    <a:tint val="1000"/>
+                  </a:srgbClr>
+                </a:solidFill>
+                <a:effectLst>
+                  <a:glow rad="38100">
+                    <a:schemeClr val="accent1">
+                      <a:alpha val="40000"/>
+                    </a:schemeClr>
+                  </a:glow>
+                </a:effectLst>
+                <a:cs typeface="B Nazanin" panose="00000400000000000000" pitchFamily="2" charset="-78"/>
+              </a:rPr>
+              <a:t> of Things Journal, vol. 5, pp. 4871-4889, 2018</a:t>
+            </a:r>
+            <a:r>
+              <a:rPr lang="en-US" b="1" spc="50" dirty="0" smtClean="0">
+                <a:ln w="9525" cmpd="sng">
+                  <a:solidFill>
+                    <a:schemeClr val="accent1"/>
+                  </a:solidFill>
+                  <a:prstDash val="solid"/>
+                </a:ln>
+                <a:solidFill>
+                  <a:srgbClr val="70AD47">
+                    <a:tint val="1000"/>
+                  </a:srgbClr>
+                </a:solidFill>
+                <a:effectLst>
+                  <a:glow rad="38100">
+                    <a:schemeClr val="accent1">
+                      <a:alpha val="40000"/>
+                    </a:schemeClr>
+                  </a:glow>
+                </a:effectLst>
+                <a:cs typeface="B Nazanin" panose="00000400000000000000" pitchFamily="2" charset="-78"/>
+              </a:rPr>
+              <a:t>.</a:t>
+            </a:r>
+          </a:p>
+          <a:p>
+            <a:endParaRPr lang="en-US" b="1" spc="50" dirty="0" smtClean="0">
+              <a:ln w="9525" cmpd="sng">
+                <a:solidFill>
+                  <a:schemeClr val="accent1"/>
+                </a:solidFill>
+                <a:prstDash val="solid"/>
+              </a:ln>
+              <a:solidFill>
+                <a:srgbClr val="70AD47">
+                  <a:tint val="1000"/>
+                </a:srgbClr>
+              </a:solidFill>
+              <a:effectLst>
+                <a:glow rad="38100">
+                  <a:schemeClr val="accent1">
+                    <a:alpha val="40000"/>
+                  </a:schemeClr>
+                </a:glow>
+              </a:effectLst>
+              <a:cs typeface="B Nazanin" panose="00000400000000000000" pitchFamily="2" charset="-78"/>
+            </a:endParaRPr>
+          </a:p>
+          <a:p>
+            <a:r>
+              <a:rPr lang="en-US" b="1" spc="50" dirty="0" smtClean="0">
+                <a:ln w="9525" cmpd="sng">
+                  <a:solidFill>
+                    <a:schemeClr val="accent1"/>
+                  </a:solidFill>
+                  <a:prstDash val="solid"/>
+                </a:ln>
+                <a:solidFill>
+                  <a:srgbClr val="70AD47">
+                    <a:tint val="1000"/>
+                  </a:srgbClr>
+                </a:solidFill>
+                <a:effectLst>
+                  <a:glow rad="38100">
+                    <a:schemeClr val="accent1">
+                      <a:alpha val="40000"/>
+                    </a:schemeClr>
+                  </a:glow>
+                </a:effectLst>
+                <a:cs typeface="B Nazanin" panose="00000400000000000000" pitchFamily="2" charset="-78"/>
+              </a:rPr>
+              <a:t> </a:t>
+            </a:r>
+            <a:r>
+              <a:rPr lang="en-US" b="1" spc="50" dirty="0">
+                <a:ln w="9525" cmpd="sng">
+                  <a:solidFill>
+                    <a:schemeClr val="accent1"/>
+                  </a:solidFill>
+                  <a:prstDash val="solid"/>
+                </a:ln>
+                <a:solidFill>
+                  <a:srgbClr val="70AD47">
+                    <a:tint val="1000"/>
+                  </a:srgbClr>
+                </a:solidFill>
+                <a:effectLst>
+                  <a:glow rad="38100">
+                    <a:schemeClr val="accent1">
+                      <a:alpha val="40000"/>
+                    </a:schemeClr>
+                  </a:glow>
+                </a:effectLst>
+                <a:cs typeface="B Nazanin" panose="00000400000000000000" pitchFamily="2" charset="-78"/>
+              </a:rPr>
+              <a:t>[5] R. Mahmud, F. L. Koch and R. </a:t>
+            </a:r>
+            <a:r>
+              <a:rPr lang="en-US" b="1" spc="50" dirty="0" err="1">
+                <a:ln w="9525" cmpd="sng">
+                  <a:solidFill>
+                    <a:schemeClr val="accent1"/>
+                  </a:solidFill>
+                  <a:prstDash val="solid"/>
+                </a:ln>
+                <a:solidFill>
+                  <a:srgbClr val="70AD47">
+                    <a:tint val="1000"/>
+                  </a:srgbClr>
+                </a:solidFill>
+                <a:effectLst>
+                  <a:glow rad="38100">
+                    <a:schemeClr val="accent1">
+                      <a:alpha val="40000"/>
+                    </a:schemeClr>
+                  </a:glow>
+                </a:effectLst>
+                <a:cs typeface="B Nazanin" panose="00000400000000000000" pitchFamily="2" charset="-78"/>
+              </a:rPr>
+              <a:t>Buyya</a:t>
+            </a:r>
+            <a:r>
+              <a:rPr lang="en-US" b="1" spc="50" dirty="0">
+                <a:ln w="9525" cmpd="sng">
+                  <a:solidFill>
+                    <a:schemeClr val="accent1"/>
+                  </a:solidFill>
+                  <a:prstDash val="solid"/>
+                </a:ln>
+                <a:solidFill>
+                  <a:srgbClr val="70AD47">
+                    <a:tint val="1000"/>
+                  </a:srgbClr>
+                </a:solidFill>
+                <a:effectLst>
+                  <a:glow rad="38100">
+                    <a:schemeClr val="accent1">
+                      <a:alpha val="40000"/>
+                    </a:schemeClr>
+                  </a:glow>
+                </a:effectLst>
+                <a:cs typeface="B Nazanin" panose="00000400000000000000" pitchFamily="2" charset="-78"/>
+              </a:rPr>
+              <a:t>, "Cloud-Fog Interoperability in </a:t>
+            </a:r>
+            <a:r>
+              <a:rPr lang="en-US" b="1" spc="50" dirty="0" err="1">
+                <a:ln w="9525" cmpd="sng">
+                  <a:solidFill>
+                    <a:schemeClr val="accent1"/>
+                  </a:solidFill>
+                  <a:prstDash val="solid"/>
+                </a:ln>
+                <a:solidFill>
+                  <a:srgbClr val="70AD47">
+                    <a:tint val="1000"/>
+                  </a:srgbClr>
+                </a:solidFill>
+                <a:effectLst>
+                  <a:glow rad="38100">
+                    <a:schemeClr val="accent1">
+                      <a:alpha val="40000"/>
+                    </a:schemeClr>
+                  </a:glow>
+                </a:effectLst>
+                <a:cs typeface="B Nazanin" panose="00000400000000000000" pitchFamily="2" charset="-78"/>
+              </a:rPr>
+              <a:t>IoT</a:t>
+            </a:r>
+            <a:r>
+              <a:rPr lang="en-US" b="1" spc="50" dirty="0">
+                <a:ln w="9525" cmpd="sng">
+                  <a:solidFill>
+                    <a:schemeClr val="accent1"/>
+                  </a:solidFill>
+                  <a:prstDash val="solid"/>
+                </a:ln>
+                <a:solidFill>
+                  <a:srgbClr val="70AD47">
+                    <a:tint val="1000"/>
+                  </a:srgbClr>
+                </a:solidFill>
+                <a:effectLst>
+                  <a:glow rad="38100">
+                    <a:schemeClr val="accent1">
+                      <a:alpha val="40000"/>
+                    </a:schemeClr>
+                  </a:glow>
+                </a:effectLst>
+                <a:cs typeface="B Nazanin" panose="00000400000000000000" pitchFamily="2" charset="-78"/>
+              </a:rPr>
+              <a:t>-enabled Healthcare Solutions," </a:t>
+            </a:r>
+            <a:r>
+              <a:rPr lang="en-US" b="1" spc="50" dirty="0" smtClean="0">
+                <a:ln w="9525" cmpd="sng">
+                  <a:solidFill>
+                    <a:schemeClr val="accent1"/>
+                  </a:solidFill>
+                  <a:prstDash val="solid"/>
+                </a:ln>
+                <a:solidFill>
+                  <a:srgbClr val="70AD47">
+                    <a:tint val="1000"/>
+                  </a:srgbClr>
+                </a:solidFill>
+                <a:effectLst>
+                  <a:glow rad="38100">
+                    <a:schemeClr val="accent1">
+                      <a:alpha val="40000"/>
+                    </a:schemeClr>
+                  </a:glow>
+                </a:effectLst>
+                <a:cs typeface="B Nazanin" panose="00000400000000000000" pitchFamily="2" charset="-78"/>
+              </a:rPr>
+              <a:t>19th</a:t>
+            </a:r>
+            <a:endParaRPr lang="fa-IR" b="1" spc="50" dirty="0">
+              <a:ln w="9525" cmpd="sng">
+                <a:solidFill>
+                  <a:schemeClr val="accent1"/>
+                </a:solidFill>
+                <a:prstDash val="solid"/>
+              </a:ln>
+              <a:solidFill>
+                <a:srgbClr val="70AD47">
+                  <a:tint val="1000"/>
+                </a:srgbClr>
+              </a:solidFill>
+              <a:effectLst>
+                <a:glow rad="38100">
+                  <a:schemeClr val="accent1">
+                    <a:alpha val="40000"/>
+                  </a:schemeClr>
+                </a:glow>
+              </a:effectLst>
+              <a:cs typeface="B Nazanin" panose="00000400000000000000" pitchFamily="2" charset="-78"/>
+            </a:endParaRPr>
+          </a:p>
         </p:txBody>
       </p:sp>
       <p:sp>
@@ -6593,7 +9347,1074 @@
           <a:p>
             <a:fld id="{5C26D530-B9E0-4354-AD45-D406AB899135}" type="slidenum">
               <a:rPr lang="en-US" smtClean="0"/>
-              <a:t>11</a:t>
+              <a:t>17</a:t>
+            </a:fld>
+            <a:endParaRPr lang="en-US" dirty="0"/>
+          </a:p>
+        </p:txBody>
+      </p:sp>
+    </p:spTree>
+    <p:extLst>
+      <p:ext uri="{BB962C8B-B14F-4D97-AF65-F5344CB8AC3E}">
+        <p14:creationId xmlns:p14="http://schemas.microsoft.com/office/powerpoint/2010/main" val="2064395390"/>
+      </p:ext>
+    </p:extLst>
+  </p:cSld>
+  <p:clrMapOvr>
+    <a:masterClrMapping/>
+  </p:clrMapOvr>
+  <p:timing>
+    <p:tnLst>
+      <p:par>
+        <p:cTn id="1" dur="indefinite" restart="never" nodeType="tmRoot"/>
+      </p:par>
+    </p:tnLst>
+  </p:timing>
+</p:sld>
+</file>
+
+<file path=ppt/slides/slide18.xml><?xml version="1.0" encoding="utf-8"?>
+<p:sld xmlns:a="http://schemas.openxmlformats.org/drawingml/2006/main" xmlns:r="http://schemas.openxmlformats.org/officeDocument/2006/relationships" xmlns:p="http://schemas.openxmlformats.org/presentationml/2006/main">
+  <p:cSld>
+    <p:spTree>
+      <p:nvGrpSpPr>
+        <p:cNvPr id="1" name=""/>
+        <p:cNvGrpSpPr/>
+        <p:nvPr/>
+      </p:nvGrpSpPr>
+      <p:grpSpPr>
+        <a:xfrm>
+          <a:off x="0" y="0"/>
+          <a:ext cx="0" cy="0"/>
+          <a:chOff x="0" y="0"/>
+          <a:chExt cx="0" cy="0"/>
+        </a:xfrm>
+      </p:grpSpPr>
+      <p:sp>
+        <p:nvSpPr>
+          <p:cNvPr id="4" name="Rectangle 3"/>
+          <p:cNvSpPr/>
+          <p:nvPr/>
+        </p:nvSpPr>
+        <p:spPr>
+          <a:xfrm>
+            <a:off x="10185499" y="249535"/>
+            <a:ext cx="1696298" cy="923330"/>
+          </a:xfrm>
+          <a:prstGeom prst="rect">
+            <a:avLst/>
+          </a:prstGeom>
+          <a:noFill/>
+        </p:spPr>
+        <p:txBody>
+          <a:bodyPr wrap="none" lIns="91440" tIns="45720" rIns="91440" bIns="45720">
+            <a:spAutoFit/>
+          </a:bodyPr>
+          <a:lstStyle/>
+          <a:p>
+            <a:pPr algn="r" rtl="1"/>
+            <a:r>
+              <a:rPr lang="fa-IR" sz="5400" b="1" spc="50" dirty="0" smtClean="0">
+                <a:ln w="0"/>
+                <a:solidFill>
+                  <a:schemeClr val="bg2"/>
+                </a:solidFill>
+                <a:effectLst>
+                  <a:innerShdw blurRad="63500" dist="50800" dir="13500000">
+                    <a:srgbClr val="000000">
+                      <a:alpha val="50000"/>
+                    </a:srgbClr>
+                  </a:innerShdw>
+                </a:effectLst>
+                <a:cs typeface="B Nazanin" panose="00000400000000000000" pitchFamily="2" charset="-78"/>
+              </a:rPr>
+              <a:t>مراجع</a:t>
+            </a:r>
+            <a:endParaRPr lang="en-US" sz="5400" b="1" cap="none" spc="50" dirty="0">
+              <a:ln w="0"/>
+              <a:solidFill>
+                <a:schemeClr val="bg2"/>
+              </a:solidFill>
+              <a:effectLst>
+                <a:innerShdw blurRad="63500" dist="50800" dir="13500000">
+                  <a:srgbClr val="000000">
+                    <a:alpha val="50000"/>
+                  </a:srgbClr>
+                </a:innerShdw>
+              </a:effectLst>
+              <a:cs typeface="B Nazanin" panose="00000400000000000000" pitchFamily="2" charset="-78"/>
+            </a:endParaRPr>
+          </a:p>
+        </p:txBody>
+      </p:sp>
+      <p:sp>
+        <p:nvSpPr>
+          <p:cNvPr id="5" name="Rectangle 4"/>
+          <p:cNvSpPr/>
+          <p:nvPr/>
+        </p:nvSpPr>
+        <p:spPr>
+          <a:xfrm>
+            <a:off x="368300" y="1376065"/>
+            <a:ext cx="11683622" cy="4247317"/>
+          </a:xfrm>
+          <a:prstGeom prst="rect">
+            <a:avLst/>
+          </a:prstGeom>
+          <a:noFill/>
+        </p:spPr>
+        <p:txBody>
+          <a:bodyPr wrap="square" lIns="91440" tIns="45720" rIns="91440" bIns="45720">
+            <a:spAutoFit/>
+          </a:bodyPr>
+          <a:lstStyle/>
+          <a:p>
+            <a:r>
+              <a:rPr lang="en-US" b="1" spc="50" dirty="0" smtClean="0">
+                <a:ln w="9525" cmpd="sng">
+                  <a:solidFill>
+                    <a:schemeClr val="accent1"/>
+                  </a:solidFill>
+                  <a:prstDash val="solid"/>
+                </a:ln>
+                <a:solidFill>
+                  <a:srgbClr val="70AD47">
+                    <a:tint val="1000"/>
+                  </a:srgbClr>
+                </a:solidFill>
+                <a:effectLst>
+                  <a:glow rad="38100">
+                    <a:schemeClr val="accent1">
+                      <a:alpha val="40000"/>
+                    </a:schemeClr>
+                  </a:glow>
+                </a:effectLst>
+                <a:cs typeface="B Nazanin" panose="00000400000000000000" pitchFamily="2" charset="-78"/>
+              </a:rPr>
+              <a:t>[</a:t>
+            </a:r>
+            <a:r>
+              <a:rPr lang="en-US" b="1" spc="50" dirty="0">
+                <a:ln w="9525" cmpd="sng">
+                  <a:solidFill>
+                    <a:schemeClr val="accent1"/>
+                  </a:solidFill>
+                  <a:prstDash val="solid"/>
+                </a:ln>
+                <a:solidFill>
+                  <a:srgbClr val="70AD47">
+                    <a:tint val="1000"/>
+                  </a:srgbClr>
+                </a:solidFill>
+                <a:effectLst>
+                  <a:glow rad="38100">
+                    <a:schemeClr val="accent1">
+                      <a:alpha val="40000"/>
+                    </a:schemeClr>
+                  </a:glow>
+                </a:effectLst>
+                <a:cs typeface="B Nazanin" panose="00000400000000000000" pitchFamily="2" charset="-78"/>
+              </a:rPr>
+              <a:t>6] P. Patel and D. </a:t>
+            </a:r>
+            <a:r>
+              <a:rPr lang="en-US" b="1" spc="50" dirty="0" err="1">
+                <a:ln w="9525" cmpd="sng">
+                  <a:solidFill>
+                    <a:schemeClr val="accent1"/>
+                  </a:solidFill>
+                  <a:prstDash val="solid"/>
+                </a:ln>
+                <a:solidFill>
+                  <a:srgbClr val="70AD47">
+                    <a:tint val="1000"/>
+                  </a:srgbClr>
+                </a:solidFill>
+                <a:effectLst>
+                  <a:glow rad="38100">
+                    <a:schemeClr val="accent1">
+                      <a:alpha val="40000"/>
+                    </a:schemeClr>
+                  </a:glow>
+                </a:effectLst>
+                <a:cs typeface="B Nazanin" panose="00000400000000000000" pitchFamily="2" charset="-78"/>
+              </a:rPr>
+              <a:t>Cassou</a:t>
+            </a:r>
+            <a:r>
+              <a:rPr lang="en-US" b="1" spc="50" dirty="0">
+                <a:ln w="9525" cmpd="sng">
+                  <a:solidFill>
+                    <a:schemeClr val="accent1"/>
+                  </a:solidFill>
+                  <a:prstDash val="solid"/>
+                </a:ln>
+                <a:solidFill>
+                  <a:srgbClr val="70AD47">
+                    <a:tint val="1000"/>
+                  </a:srgbClr>
+                </a:solidFill>
+                <a:effectLst>
+                  <a:glow rad="38100">
+                    <a:schemeClr val="accent1">
+                      <a:alpha val="40000"/>
+                    </a:schemeClr>
+                  </a:glow>
+                </a:effectLst>
+                <a:cs typeface="B Nazanin" panose="00000400000000000000" pitchFamily="2" charset="-78"/>
+              </a:rPr>
+              <a:t>, "Enabling high-level application development for the Internet of Things," Journal of Systems and Software, vol. 103, pp. 62-84, 2015. </a:t>
+            </a:r>
+            <a:endParaRPr lang="en-US" b="1" spc="50" dirty="0" smtClean="0">
+              <a:ln w="9525" cmpd="sng">
+                <a:solidFill>
+                  <a:schemeClr val="accent1"/>
+                </a:solidFill>
+                <a:prstDash val="solid"/>
+              </a:ln>
+              <a:solidFill>
+                <a:srgbClr val="70AD47">
+                  <a:tint val="1000"/>
+                </a:srgbClr>
+              </a:solidFill>
+              <a:effectLst>
+                <a:glow rad="38100">
+                  <a:schemeClr val="accent1">
+                    <a:alpha val="40000"/>
+                  </a:schemeClr>
+                </a:glow>
+              </a:effectLst>
+              <a:cs typeface="B Nazanin" panose="00000400000000000000" pitchFamily="2" charset="-78"/>
+            </a:endParaRPr>
+          </a:p>
+          <a:p>
+            <a:endParaRPr lang="en-US" b="1" spc="50" dirty="0" smtClean="0">
+              <a:ln w="9525" cmpd="sng">
+                <a:solidFill>
+                  <a:schemeClr val="accent1"/>
+                </a:solidFill>
+                <a:prstDash val="solid"/>
+              </a:ln>
+              <a:solidFill>
+                <a:srgbClr val="70AD47">
+                  <a:tint val="1000"/>
+                </a:srgbClr>
+              </a:solidFill>
+              <a:effectLst>
+                <a:glow rad="38100">
+                  <a:schemeClr val="accent1">
+                    <a:alpha val="40000"/>
+                  </a:schemeClr>
+                </a:glow>
+              </a:effectLst>
+              <a:cs typeface="B Nazanin" panose="00000400000000000000" pitchFamily="2" charset="-78"/>
+            </a:endParaRPr>
+          </a:p>
+          <a:p>
+            <a:r>
+              <a:rPr lang="en-US" b="1" spc="50" dirty="0" smtClean="0">
+                <a:ln w="9525" cmpd="sng">
+                  <a:solidFill>
+                    <a:schemeClr val="accent1"/>
+                  </a:solidFill>
+                  <a:prstDash val="solid"/>
+                </a:ln>
+                <a:solidFill>
+                  <a:srgbClr val="70AD47">
+                    <a:tint val="1000"/>
+                  </a:srgbClr>
+                </a:solidFill>
+                <a:effectLst>
+                  <a:glow rad="38100">
+                    <a:schemeClr val="accent1">
+                      <a:alpha val="40000"/>
+                    </a:schemeClr>
+                  </a:glow>
+                </a:effectLst>
+                <a:cs typeface="B Nazanin" panose="00000400000000000000" pitchFamily="2" charset="-78"/>
+              </a:rPr>
+              <a:t>[</a:t>
+            </a:r>
+            <a:r>
+              <a:rPr lang="en-US" b="1" spc="50" dirty="0">
+                <a:ln w="9525" cmpd="sng">
+                  <a:solidFill>
+                    <a:schemeClr val="accent1"/>
+                  </a:solidFill>
+                  <a:prstDash val="solid"/>
+                </a:ln>
+                <a:solidFill>
+                  <a:srgbClr val="70AD47">
+                    <a:tint val="1000"/>
+                  </a:srgbClr>
+                </a:solidFill>
+                <a:effectLst>
+                  <a:glow rad="38100">
+                    <a:schemeClr val="accent1">
+                      <a:alpha val="40000"/>
+                    </a:schemeClr>
+                  </a:glow>
+                </a:effectLst>
+                <a:cs typeface="B Nazanin" panose="00000400000000000000" pitchFamily="2" charset="-78"/>
+              </a:rPr>
+              <a:t>7] W. Jackson, </a:t>
+            </a:r>
+            <a:r>
+              <a:rPr lang="en-US" b="1" spc="50" dirty="0" err="1">
+                <a:ln w="9525" cmpd="sng">
+                  <a:solidFill>
+                    <a:schemeClr val="accent1"/>
+                  </a:solidFill>
+                  <a:prstDash val="solid"/>
+                </a:ln>
+                <a:solidFill>
+                  <a:srgbClr val="70AD47">
+                    <a:tint val="1000"/>
+                  </a:srgbClr>
+                </a:solidFill>
+                <a:effectLst>
+                  <a:glow rad="38100">
+                    <a:schemeClr val="accent1">
+                      <a:alpha val="40000"/>
+                    </a:schemeClr>
+                  </a:glow>
+                </a:effectLst>
+                <a:cs typeface="B Nazanin" panose="00000400000000000000" pitchFamily="2" charset="-78"/>
+              </a:rPr>
+              <a:t>SmartWatch</a:t>
+            </a:r>
+            <a:r>
+              <a:rPr lang="en-US" b="1" spc="50" dirty="0">
+                <a:ln w="9525" cmpd="sng">
+                  <a:solidFill>
+                    <a:schemeClr val="accent1"/>
+                  </a:solidFill>
+                  <a:prstDash val="solid"/>
+                </a:ln>
+                <a:solidFill>
+                  <a:srgbClr val="70AD47">
+                    <a:tint val="1000"/>
+                  </a:srgbClr>
+                </a:solidFill>
+                <a:effectLst>
+                  <a:glow rad="38100">
+                    <a:schemeClr val="accent1">
+                      <a:alpha val="40000"/>
+                    </a:schemeClr>
+                  </a:glow>
+                </a:effectLst>
+                <a:cs typeface="B Nazanin" panose="00000400000000000000" pitchFamily="2" charset="-78"/>
+              </a:rPr>
+              <a:t> Design Fundamentals, Berkeley: </a:t>
+            </a:r>
+            <a:r>
+              <a:rPr lang="en-US" b="1" spc="50" dirty="0" err="1">
+                <a:ln w="9525" cmpd="sng">
+                  <a:solidFill>
+                    <a:schemeClr val="accent1"/>
+                  </a:solidFill>
+                  <a:prstDash val="solid"/>
+                </a:ln>
+                <a:solidFill>
+                  <a:srgbClr val="70AD47">
+                    <a:tint val="1000"/>
+                  </a:srgbClr>
+                </a:solidFill>
+                <a:effectLst>
+                  <a:glow rad="38100">
+                    <a:schemeClr val="accent1">
+                      <a:alpha val="40000"/>
+                    </a:schemeClr>
+                  </a:glow>
+                </a:effectLst>
+                <a:cs typeface="B Nazanin" panose="00000400000000000000" pitchFamily="2" charset="-78"/>
+              </a:rPr>
+              <a:t>Apress</a:t>
+            </a:r>
+            <a:r>
+              <a:rPr lang="en-US" b="1" spc="50" dirty="0">
+                <a:ln w="9525" cmpd="sng">
+                  <a:solidFill>
+                    <a:schemeClr val="accent1"/>
+                  </a:solidFill>
+                  <a:prstDash val="solid"/>
+                </a:ln>
+                <a:solidFill>
+                  <a:srgbClr val="70AD47">
+                    <a:tint val="1000"/>
+                  </a:srgbClr>
+                </a:solidFill>
+                <a:effectLst>
+                  <a:glow rad="38100">
+                    <a:schemeClr val="accent1">
+                      <a:alpha val="40000"/>
+                    </a:schemeClr>
+                  </a:glow>
+                </a:effectLst>
+                <a:cs typeface="B Nazanin" panose="00000400000000000000" pitchFamily="2" charset="-78"/>
+              </a:rPr>
+              <a:t>, 2019. </a:t>
+            </a:r>
+            <a:endParaRPr lang="en-US" b="1" spc="50" dirty="0" smtClean="0">
+              <a:ln w="9525" cmpd="sng">
+                <a:solidFill>
+                  <a:schemeClr val="accent1"/>
+                </a:solidFill>
+                <a:prstDash val="solid"/>
+              </a:ln>
+              <a:solidFill>
+                <a:srgbClr val="70AD47">
+                  <a:tint val="1000"/>
+                </a:srgbClr>
+              </a:solidFill>
+              <a:effectLst>
+                <a:glow rad="38100">
+                  <a:schemeClr val="accent1">
+                    <a:alpha val="40000"/>
+                  </a:schemeClr>
+                </a:glow>
+              </a:effectLst>
+              <a:cs typeface="B Nazanin" panose="00000400000000000000" pitchFamily="2" charset="-78"/>
+            </a:endParaRPr>
+          </a:p>
+          <a:p>
+            <a:endParaRPr lang="en-US" b="1" spc="50" dirty="0" smtClean="0">
+              <a:ln w="9525" cmpd="sng">
+                <a:solidFill>
+                  <a:schemeClr val="accent1"/>
+                </a:solidFill>
+                <a:prstDash val="solid"/>
+              </a:ln>
+              <a:solidFill>
+                <a:srgbClr val="70AD47">
+                  <a:tint val="1000"/>
+                </a:srgbClr>
+              </a:solidFill>
+              <a:effectLst>
+                <a:glow rad="38100">
+                  <a:schemeClr val="accent1">
+                    <a:alpha val="40000"/>
+                  </a:schemeClr>
+                </a:glow>
+              </a:effectLst>
+              <a:cs typeface="B Nazanin" panose="00000400000000000000" pitchFamily="2" charset="-78"/>
+            </a:endParaRPr>
+          </a:p>
+          <a:p>
+            <a:r>
+              <a:rPr lang="en-US" b="1" spc="50" dirty="0" smtClean="0">
+                <a:ln w="9525" cmpd="sng">
+                  <a:solidFill>
+                    <a:schemeClr val="accent1"/>
+                  </a:solidFill>
+                  <a:prstDash val="solid"/>
+                </a:ln>
+                <a:solidFill>
+                  <a:srgbClr val="70AD47">
+                    <a:tint val="1000"/>
+                  </a:srgbClr>
+                </a:solidFill>
+                <a:effectLst>
+                  <a:glow rad="38100">
+                    <a:schemeClr val="accent1">
+                      <a:alpha val="40000"/>
+                    </a:schemeClr>
+                  </a:glow>
+                </a:effectLst>
+                <a:cs typeface="B Nazanin" panose="00000400000000000000" pitchFamily="2" charset="-78"/>
+              </a:rPr>
+              <a:t>[</a:t>
+            </a:r>
+            <a:r>
+              <a:rPr lang="en-US" b="1" spc="50" dirty="0">
+                <a:ln w="9525" cmpd="sng">
+                  <a:solidFill>
+                    <a:schemeClr val="accent1"/>
+                  </a:solidFill>
+                  <a:prstDash val="solid"/>
+                </a:ln>
+                <a:solidFill>
+                  <a:srgbClr val="70AD47">
+                    <a:tint val="1000"/>
+                  </a:srgbClr>
+                </a:solidFill>
+                <a:effectLst>
+                  <a:glow rad="38100">
+                    <a:schemeClr val="accent1">
+                      <a:alpha val="40000"/>
+                    </a:schemeClr>
+                  </a:glow>
+                </a:effectLst>
+                <a:cs typeface="B Nazanin" panose="00000400000000000000" pitchFamily="2" charset="-78"/>
+              </a:rPr>
+              <a:t>8] S. </a:t>
+            </a:r>
+            <a:r>
+              <a:rPr lang="en-US" b="1" spc="50" dirty="0" err="1">
+                <a:ln w="9525" cmpd="sng">
+                  <a:solidFill>
+                    <a:schemeClr val="accent1"/>
+                  </a:solidFill>
+                  <a:prstDash val="solid"/>
+                </a:ln>
+                <a:solidFill>
+                  <a:srgbClr val="70AD47">
+                    <a:tint val="1000"/>
+                  </a:srgbClr>
+                </a:solidFill>
+                <a:effectLst>
+                  <a:glow rad="38100">
+                    <a:schemeClr val="accent1">
+                      <a:alpha val="40000"/>
+                    </a:schemeClr>
+                  </a:glow>
+                </a:effectLst>
+                <a:cs typeface="B Nazanin" panose="00000400000000000000" pitchFamily="2" charset="-78"/>
+              </a:rPr>
+              <a:t>Mastorakis</a:t>
+            </a:r>
+            <a:r>
+              <a:rPr lang="en-US" b="1" spc="50" dirty="0">
+                <a:ln w="9525" cmpd="sng">
+                  <a:solidFill>
+                    <a:schemeClr val="accent1"/>
+                  </a:solidFill>
+                  <a:prstDash val="solid"/>
+                </a:ln>
+                <a:solidFill>
+                  <a:srgbClr val="70AD47">
+                    <a:tint val="1000"/>
+                  </a:srgbClr>
+                </a:solidFill>
+                <a:effectLst>
+                  <a:glow rad="38100">
+                    <a:schemeClr val="accent1">
+                      <a:alpha val="40000"/>
+                    </a:schemeClr>
+                  </a:glow>
+                </a:effectLst>
+                <a:cs typeface="B Nazanin" panose="00000400000000000000" pitchFamily="2" charset="-78"/>
+              </a:rPr>
+              <a:t> and A. </a:t>
+            </a:r>
+            <a:r>
+              <a:rPr lang="en-US" b="1" spc="50" dirty="0" err="1">
+                <a:ln w="9525" cmpd="sng">
+                  <a:solidFill>
+                    <a:schemeClr val="accent1"/>
+                  </a:solidFill>
+                  <a:prstDash val="solid"/>
+                </a:ln>
+                <a:solidFill>
+                  <a:srgbClr val="70AD47">
+                    <a:tint val="1000"/>
+                  </a:srgbClr>
+                </a:solidFill>
+                <a:effectLst>
+                  <a:glow rad="38100">
+                    <a:schemeClr val="accent1">
+                      <a:alpha val="40000"/>
+                    </a:schemeClr>
+                  </a:glow>
+                </a:effectLst>
+                <a:cs typeface="B Nazanin" panose="00000400000000000000" pitchFamily="2" charset="-78"/>
+              </a:rPr>
+              <a:t>Mtibaa</a:t>
+            </a:r>
+            <a:r>
+              <a:rPr lang="en-US" b="1" spc="50" dirty="0">
+                <a:ln w="9525" cmpd="sng">
+                  <a:solidFill>
+                    <a:schemeClr val="accent1"/>
+                  </a:solidFill>
+                  <a:prstDash val="solid"/>
+                </a:ln>
+                <a:solidFill>
+                  <a:srgbClr val="70AD47">
+                    <a:tint val="1000"/>
+                  </a:srgbClr>
+                </a:solidFill>
+                <a:effectLst>
+                  <a:glow rad="38100">
+                    <a:schemeClr val="accent1">
+                      <a:alpha val="40000"/>
+                    </a:schemeClr>
+                  </a:glow>
+                </a:effectLst>
+                <a:cs typeface="B Nazanin" panose="00000400000000000000" pitchFamily="2" charset="-78"/>
+              </a:rPr>
+              <a:t>, "Towards Service Discovery and Invocation in Data-Centric Edge Networks," IEEE 27th International Conference on Network Protocols (ICNP), pp. 1-6, 2019. </a:t>
+            </a:r>
+            <a:endParaRPr lang="en-US" b="1" spc="50" dirty="0" smtClean="0">
+              <a:ln w="9525" cmpd="sng">
+                <a:solidFill>
+                  <a:schemeClr val="accent1"/>
+                </a:solidFill>
+                <a:prstDash val="solid"/>
+              </a:ln>
+              <a:solidFill>
+                <a:srgbClr val="70AD47">
+                  <a:tint val="1000"/>
+                </a:srgbClr>
+              </a:solidFill>
+              <a:effectLst>
+                <a:glow rad="38100">
+                  <a:schemeClr val="accent1">
+                    <a:alpha val="40000"/>
+                  </a:schemeClr>
+                </a:glow>
+              </a:effectLst>
+              <a:cs typeface="B Nazanin" panose="00000400000000000000" pitchFamily="2" charset="-78"/>
+            </a:endParaRPr>
+          </a:p>
+          <a:p>
+            <a:endParaRPr lang="en-US" b="1" spc="50" dirty="0" smtClean="0">
+              <a:ln w="9525" cmpd="sng">
+                <a:solidFill>
+                  <a:schemeClr val="accent1"/>
+                </a:solidFill>
+                <a:prstDash val="solid"/>
+              </a:ln>
+              <a:solidFill>
+                <a:srgbClr val="70AD47">
+                  <a:tint val="1000"/>
+                </a:srgbClr>
+              </a:solidFill>
+              <a:effectLst>
+                <a:glow rad="38100">
+                  <a:schemeClr val="accent1">
+                    <a:alpha val="40000"/>
+                  </a:schemeClr>
+                </a:glow>
+              </a:effectLst>
+              <a:cs typeface="B Nazanin" panose="00000400000000000000" pitchFamily="2" charset="-78"/>
+            </a:endParaRPr>
+          </a:p>
+          <a:p>
+            <a:r>
+              <a:rPr lang="en-US" b="1" spc="50" dirty="0" smtClean="0">
+                <a:ln w="9525" cmpd="sng">
+                  <a:solidFill>
+                    <a:schemeClr val="accent1"/>
+                  </a:solidFill>
+                  <a:prstDash val="solid"/>
+                </a:ln>
+                <a:solidFill>
+                  <a:srgbClr val="70AD47">
+                    <a:tint val="1000"/>
+                  </a:srgbClr>
+                </a:solidFill>
+                <a:effectLst>
+                  <a:glow rad="38100">
+                    <a:schemeClr val="accent1">
+                      <a:alpha val="40000"/>
+                    </a:schemeClr>
+                  </a:glow>
+                </a:effectLst>
+                <a:cs typeface="B Nazanin" panose="00000400000000000000" pitchFamily="2" charset="-78"/>
+              </a:rPr>
+              <a:t>[</a:t>
+            </a:r>
+            <a:r>
+              <a:rPr lang="en-US" b="1" spc="50" dirty="0">
+                <a:ln w="9525" cmpd="sng">
+                  <a:solidFill>
+                    <a:schemeClr val="accent1"/>
+                  </a:solidFill>
+                  <a:prstDash val="solid"/>
+                </a:ln>
+                <a:solidFill>
+                  <a:srgbClr val="70AD47">
+                    <a:tint val="1000"/>
+                  </a:srgbClr>
+                </a:solidFill>
+                <a:effectLst>
+                  <a:glow rad="38100">
+                    <a:schemeClr val="accent1">
+                      <a:alpha val="40000"/>
+                    </a:schemeClr>
+                  </a:glow>
+                </a:effectLst>
+                <a:cs typeface="B Nazanin" panose="00000400000000000000" pitchFamily="2" charset="-78"/>
+              </a:rPr>
+              <a:t>9] I. I., R. A. P.M. and V. </a:t>
+            </a:r>
+            <a:r>
+              <a:rPr lang="en-US" b="1" spc="50" dirty="0" err="1">
+                <a:ln w="9525" cmpd="sng">
+                  <a:solidFill>
+                    <a:schemeClr val="accent1"/>
+                  </a:solidFill>
+                  <a:prstDash val="solid"/>
+                </a:ln>
+                <a:solidFill>
+                  <a:srgbClr val="70AD47">
+                    <a:tint val="1000"/>
+                  </a:srgbClr>
+                </a:solidFill>
+                <a:effectLst>
+                  <a:glow rad="38100">
+                    <a:schemeClr val="accent1">
+                      <a:alpha val="40000"/>
+                    </a:schemeClr>
+                  </a:glow>
+                </a:effectLst>
+                <a:cs typeface="B Nazanin" panose="00000400000000000000" pitchFamily="2" charset="-78"/>
+              </a:rPr>
+              <a:t>Bhaskar</a:t>
+            </a:r>
+            <a:r>
+              <a:rPr lang="en-US" b="1" spc="50" dirty="0">
+                <a:ln w="9525" cmpd="sng">
+                  <a:solidFill>
+                    <a:schemeClr val="accent1"/>
+                  </a:solidFill>
+                  <a:prstDash val="solid"/>
+                </a:ln>
+                <a:solidFill>
+                  <a:srgbClr val="70AD47">
+                    <a:tint val="1000"/>
+                  </a:srgbClr>
+                </a:solidFill>
+                <a:effectLst>
+                  <a:glow rad="38100">
+                    <a:schemeClr val="accent1">
+                      <a:alpha val="40000"/>
+                    </a:schemeClr>
+                  </a:glow>
+                </a:effectLst>
+                <a:cs typeface="B Nazanin" panose="00000400000000000000" pitchFamily="2" charset="-78"/>
+              </a:rPr>
+              <a:t>, "Encrypted token based authentication with adapted SAML technology for cloud web services," Journal of Network and Computer Applications, vol. 99, pp. 131-145, 2017. </a:t>
+            </a:r>
+            <a:endParaRPr lang="en-US" b="1" spc="50" dirty="0" smtClean="0">
+              <a:ln w="9525" cmpd="sng">
+                <a:solidFill>
+                  <a:schemeClr val="accent1"/>
+                </a:solidFill>
+                <a:prstDash val="solid"/>
+              </a:ln>
+              <a:solidFill>
+                <a:srgbClr val="70AD47">
+                  <a:tint val="1000"/>
+                </a:srgbClr>
+              </a:solidFill>
+              <a:effectLst>
+                <a:glow rad="38100">
+                  <a:schemeClr val="accent1">
+                    <a:alpha val="40000"/>
+                  </a:schemeClr>
+                </a:glow>
+              </a:effectLst>
+              <a:cs typeface="B Nazanin" panose="00000400000000000000" pitchFamily="2" charset="-78"/>
+            </a:endParaRPr>
+          </a:p>
+          <a:p>
+            <a:endParaRPr lang="en-US" b="1" spc="50" dirty="0" smtClean="0">
+              <a:ln w="9525" cmpd="sng">
+                <a:solidFill>
+                  <a:schemeClr val="accent1"/>
+                </a:solidFill>
+                <a:prstDash val="solid"/>
+              </a:ln>
+              <a:solidFill>
+                <a:srgbClr val="70AD47">
+                  <a:tint val="1000"/>
+                </a:srgbClr>
+              </a:solidFill>
+              <a:effectLst>
+                <a:glow rad="38100">
+                  <a:schemeClr val="accent1">
+                    <a:alpha val="40000"/>
+                  </a:schemeClr>
+                </a:glow>
+              </a:effectLst>
+              <a:cs typeface="B Nazanin" panose="00000400000000000000" pitchFamily="2" charset="-78"/>
+            </a:endParaRPr>
+          </a:p>
+          <a:p>
+            <a:r>
+              <a:rPr lang="en-US" b="1" spc="50" dirty="0">
+                <a:ln w="9525" cmpd="sng">
+                  <a:solidFill>
+                    <a:schemeClr val="accent1"/>
+                  </a:solidFill>
+                  <a:prstDash val="solid"/>
+                </a:ln>
+                <a:solidFill>
+                  <a:srgbClr val="70AD47">
+                    <a:tint val="1000"/>
+                  </a:srgbClr>
+                </a:solidFill>
+                <a:effectLst>
+                  <a:glow rad="38100">
+                    <a:schemeClr val="accent1">
+                      <a:alpha val="40000"/>
+                    </a:schemeClr>
+                  </a:glow>
+                </a:effectLst>
+                <a:cs typeface="B Nazanin" panose="00000400000000000000" pitchFamily="2" charset="-78"/>
+              </a:rPr>
+              <a:t>[10] </a:t>
+            </a:r>
+            <a:r>
+              <a:rPr lang="en-US" b="1" spc="50" dirty="0" err="1">
+                <a:ln w="9525" cmpd="sng">
+                  <a:solidFill>
+                    <a:schemeClr val="accent1"/>
+                  </a:solidFill>
+                  <a:prstDash val="solid"/>
+                </a:ln>
+                <a:solidFill>
+                  <a:srgbClr val="70AD47">
+                    <a:tint val="1000"/>
+                  </a:srgbClr>
+                </a:solidFill>
+                <a:effectLst>
+                  <a:glow rad="38100">
+                    <a:schemeClr val="accent1">
+                      <a:alpha val="40000"/>
+                    </a:schemeClr>
+                  </a:glow>
+                </a:effectLst>
+                <a:cs typeface="B Nazanin" panose="00000400000000000000" pitchFamily="2" charset="-78"/>
+              </a:rPr>
+              <a:t>Suárez-Albela</a:t>
+            </a:r>
+            <a:r>
+              <a:rPr lang="en-US" b="1" spc="50" dirty="0">
+                <a:ln w="9525" cmpd="sng">
+                  <a:solidFill>
+                    <a:schemeClr val="accent1"/>
+                  </a:solidFill>
+                  <a:prstDash val="solid"/>
+                </a:ln>
+                <a:solidFill>
+                  <a:srgbClr val="70AD47">
+                    <a:tint val="1000"/>
+                  </a:srgbClr>
+                </a:solidFill>
+                <a:effectLst>
+                  <a:glow rad="38100">
+                    <a:schemeClr val="accent1">
+                      <a:alpha val="40000"/>
+                    </a:schemeClr>
+                  </a:glow>
+                </a:effectLst>
+                <a:cs typeface="B Nazanin" panose="00000400000000000000" pitchFamily="2" charset="-78"/>
+              </a:rPr>
+              <a:t>, M.; </a:t>
+            </a:r>
+            <a:r>
+              <a:rPr lang="en-US" b="1" spc="50" dirty="0" err="1">
+                <a:ln w="9525" cmpd="sng">
+                  <a:solidFill>
+                    <a:schemeClr val="accent1"/>
+                  </a:solidFill>
+                  <a:prstDash val="solid"/>
+                </a:ln>
+                <a:solidFill>
+                  <a:srgbClr val="70AD47">
+                    <a:tint val="1000"/>
+                  </a:srgbClr>
+                </a:solidFill>
+                <a:effectLst>
+                  <a:glow rad="38100">
+                    <a:schemeClr val="accent1">
+                      <a:alpha val="40000"/>
+                    </a:schemeClr>
+                  </a:glow>
+                </a:effectLst>
+                <a:cs typeface="B Nazanin" panose="00000400000000000000" pitchFamily="2" charset="-78"/>
+              </a:rPr>
+              <a:t>Fraga</a:t>
+            </a:r>
+            <a:r>
+              <a:rPr lang="en-US" b="1" spc="50" dirty="0">
+                <a:ln w="9525" cmpd="sng">
+                  <a:solidFill>
+                    <a:schemeClr val="accent1"/>
+                  </a:solidFill>
+                  <a:prstDash val="solid"/>
+                </a:ln>
+                <a:solidFill>
+                  <a:srgbClr val="70AD47">
+                    <a:tint val="1000"/>
+                  </a:srgbClr>
+                </a:solidFill>
+                <a:effectLst>
+                  <a:glow rad="38100">
+                    <a:schemeClr val="accent1">
+                      <a:alpha val="40000"/>
+                    </a:schemeClr>
+                  </a:glow>
+                </a:effectLst>
+                <a:cs typeface="B Nazanin" panose="00000400000000000000" pitchFamily="2" charset="-78"/>
+              </a:rPr>
+              <a:t>-Lamas, P.; </a:t>
+            </a:r>
+            <a:r>
+              <a:rPr lang="en-US" b="1" spc="50" dirty="0" err="1">
+                <a:ln w="9525" cmpd="sng">
+                  <a:solidFill>
+                    <a:schemeClr val="accent1"/>
+                  </a:solidFill>
+                  <a:prstDash val="solid"/>
+                </a:ln>
+                <a:solidFill>
+                  <a:srgbClr val="70AD47">
+                    <a:tint val="1000"/>
+                  </a:srgbClr>
+                </a:solidFill>
+                <a:effectLst>
+                  <a:glow rad="38100">
+                    <a:schemeClr val="accent1">
+                      <a:alpha val="40000"/>
+                    </a:schemeClr>
+                  </a:glow>
+                </a:effectLst>
+                <a:cs typeface="B Nazanin" panose="00000400000000000000" pitchFamily="2" charset="-78"/>
+              </a:rPr>
+              <a:t>Fernández-Caramés</a:t>
+            </a:r>
+            <a:r>
+              <a:rPr lang="en-US" b="1" spc="50" dirty="0">
+                <a:ln w="9525" cmpd="sng">
+                  <a:solidFill>
+                    <a:schemeClr val="accent1"/>
+                  </a:solidFill>
+                  <a:prstDash val="solid"/>
+                </a:ln>
+                <a:solidFill>
+                  <a:srgbClr val="70AD47">
+                    <a:tint val="1000"/>
+                  </a:srgbClr>
+                </a:solidFill>
+                <a:effectLst>
+                  <a:glow rad="38100">
+                    <a:schemeClr val="accent1">
+                      <a:alpha val="40000"/>
+                    </a:schemeClr>
+                  </a:glow>
+                </a:effectLst>
+                <a:cs typeface="B Nazanin" panose="00000400000000000000" pitchFamily="2" charset="-78"/>
+              </a:rPr>
+              <a:t>, T.M. A Practical Evaluation on RSA and ECC-Based Cipher Suites for </a:t>
+            </a:r>
+            <a:r>
+              <a:rPr lang="en-US" b="1" spc="50" dirty="0" err="1">
+                <a:ln w="9525" cmpd="sng">
+                  <a:solidFill>
+                    <a:schemeClr val="accent1"/>
+                  </a:solidFill>
+                  <a:prstDash val="solid"/>
+                </a:ln>
+                <a:solidFill>
+                  <a:srgbClr val="70AD47">
+                    <a:tint val="1000"/>
+                  </a:srgbClr>
+                </a:solidFill>
+                <a:effectLst>
+                  <a:glow rad="38100">
+                    <a:schemeClr val="accent1">
+                      <a:alpha val="40000"/>
+                    </a:schemeClr>
+                  </a:glow>
+                </a:effectLst>
+                <a:cs typeface="B Nazanin" panose="00000400000000000000" pitchFamily="2" charset="-78"/>
+              </a:rPr>
+              <a:t>IoT</a:t>
+            </a:r>
+            <a:r>
+              <a:rPr lang="en-US" b="1" spc="50" dirty="0">
+                <a:ln w="9525" cmpd="sng">
+                  <a:solidFill>
+                    <a:schemeClr val="accent1"/>
+                  </a:solidFill>
+                  <a:prstDash val="solid"/>
+                </a:ln>
+                <a:solidFill>
+                  <a:srgbClr val="70AD47">
+                    <a:tint val="1000"/>
+                  </a:srgbClr>
+                </a:solidFill>
+                <a:effectLst>
+                  <a:glow rad="38100">
+                    <a:schemeClr val="accent1">
+                      <a:alpha val="40000"/>
+                    </a:schemeClr>
+                  </a:glow>
+                </a:effectLst>
+                <a:cs typeface="B Nazanin" panose="00000400000000000000" pitchFamily="2" charset="-78"/>
+              </a:rPr>
+              <a:t> High-Security Energy-Efficient Fog and Mist Computing Devices. Sensors 2018, 18, </a:t>
+            </a:r>
+            <a:r>
+              <a:rPr lang="en-US" b="1" spc="50" dirty="0" smtClean="0">
+                <a:ln w="9525" cmpd="sng">
+                  <a:solidFill>
+                    <a:schemeClr val="accent1"/>
+                  </a:solidFill>
+                  <a:prstDash val="solid"/>
+                </a:ln>
+                <a:solidFill>
+                  <a:srgbClr val="70AD47">
+                    <a:tint val="1000"/>
+                  </a:srgbClr>
+                </a:solidFill>
+                <a:effectLst>
+                  <a:glow rad="38100">
+                    <a:schemeClr val="accent1">
+                      <a:alpha val="40000"/>
+                    </a:schemeClr>
+                  </a:glow>
+                </a:effectLst>
+                <a:cs typeface="B Nazanin" panose="00000400000000000000" pitchFamily="2" charset="-78"/>
+              </a:rPr>
+              <a:t>3868</a:t>
+            </a:r>
+            <a:endParaRPr lang="fa-IR" b="1" spc="50" dirty="0">
+              <a:ln w="9525" cmpd="sng">
+                <a:solidFill>
+                  <a:schemeClr val="accent1"/>
+                </a:solidFill>
+                <a:prstDash val="solid"/>
+              </a:ln>
+              <a:solidFill>
+                <a:srgbClr val="70AD47">
+                  <a:tint val="1000"/>
+                </a:srgbClr>
+              </a:solidFill>
+              <a:effectLst>
+                <a:glow rad="38100">
+                  <a:schemeClr val="accent1">
+                    <a:alpha val="40000"/>
+                  </a:schemeClr>
+                </a:glow>
+              </a:effectLst>
+              <a:cs typeface="B Nazanin" panose="00000400000000000000" pitchFamily="2" charset="-78"/>
+            </a:endParaRPr>
+          </a:p>
+        </p:txBody>
+      </p:sp>
+      <p:sp>
+        <p:nvSpPr>
+          <p:cNvPr id="6" name="Slide Number Placeholder 5"/>
+          <p:cNvSpPr>
+            <a:spLocks noGrp="1"/>
+          </p:cNvSpPr>
+          <p:nvPr>
+            <p:ph type="sldNum" sz="quarter" idx="12"/>
+          </p:nvPr>
+        </p:nvSpPr>
+        <p:spPr/>
+        <p:txBody>
+          <a:bodyPr/>
+          <a:lstStyle/>
+          <a:p>
+            <a:fld id="{5C26D530-B9E0-4354-AD45-D406AB899135}" type="slidenum">
+              <a:rPr lang="en-US" smtClean="0"/>
+              <a:t>18</a:t>
             </a:fld>
             <a:endParaRPr lang="en-US" dirty="0"/>
           </a:p>
@@ -6603,6 +10424,123 @@
     <p:extLst>
       <p:ext uri="{BB962C8B-B14F-4D97-AF65-F5344CB8AC3E}">
         <p14:creationId xmlns:p14="http://schemas.microsoft.com/office/powerpoint/2010/main" val="916756246"/>
+      </p:ext>
+    </p:extLst>
+  </p:cSld>
+  <p:clrMapOvr>
+    <a:masterClrMapping/>
+  </p:clrMapOvr>
+  <p:timing>
+    <p:tnLst>
+      <p:par>
+        <p:cTn id="1" dur="indefinite" restart="never" nodeType="tmRoot"/>
+      </p:par>
+    </p:tnLst>
+  </p:timing>
+</p:sld>
+</file>
+
+<file path=ppt/slides/slide19.xml><?xml version="1.0" encoding="utf-8"?>
+<p:sld xmlns:a="http://schemas.openxmlformats.org/drawingml/2006/main" xmlns:r="http://schemas.openxmlformats.org/officeDocument/2006/relationships" xmlns:p="http://schemas.openxmlformats.org/presentationml/2006/main">
+  <p:cSld>
+    <p:spTree>
+      <p:nvGrpSpPr>
+        <p:cNvPr id="1" name=""/>
+        <p:cNvGrpSpPr/>
+        <p:nvPr/>
+      </p:nvGrpSpPr>
+      <p:grpSpPr>
+        <a:xfrm>
+          <a:off x="0" y="0"/>
+          <a:ext cx="0" cy="0"/>
+          <a:chOff x="0" y="0"/>
+          <a:chExt cx="0" cy="0"/>
+        </a:xfrm>
+      </p:grpSpPr>
+      <p:sp>
+        <p:nvSpPr>
+          <p:cNvPr id="4" name="Rectangle 3"/>
+          <p:cNvSpPr/>
+          <p:nvPr/>
+        </p:nvSpPr>
+        <p:spPr>
+          <a:xfrm>
+            <a:off x="3860727" y="2859570"/>
+            <a:ext cx="4745210" cy="923330"/>
+          </a:xfrm>
+          <a:prstGeom prst="rect">
+            <a:avLst/>
+          </a:prstGeom>
+          <a:noFill/>
+        </p:spPr>
+        <p:txBody>
+          <a:bodyPr wrap="none" lIns="91440" tIns="45720" rIns="91440" bIns="45720">
+            <a:spAutoFit/>
+          </a:bodyPr>
+          <a:lstStyle/>
+          <a:p>
+            <a:pPr algn="r" rtl="1"/>
+            <a:r>
+              <a:rPr lang="fa-IR" sz="5400" b="1" spc="50" dirty="0" smtClean="0">
+                <a:ln w="0"/>
+                <a:solidFill>
+                  <a:schemeClr val="bg2"/>
+                </a:solidFill>
+                <a:effectLst>
+                  <a:innerShdw blurRad="63500" dist="50800" dir="13500000">
+                    <a:srgbClr val="000000">
+                      <a:alpha val="50000"/>
+                    </a:srgbClr>
+                  </a:innerShdw>
+                </a:effectLst>
+                <a:cs typeface="B Nazanin" panose="00000400000000000000" pitchFamily="2" charset="-78"/>
+              </a:rPr>
+              <a:t>سپاس از توجه شما</a:t>
+            </a:r>
+            <a:endParaRPr lang="en-US" sz="5400" b="1" cap="none" spc="50" dirty="0">
+              <a:ln w="0"/>
+              <a:solidFill>
+                <a:schemeClr val="bg2"/>
+              </a:solidFill>
+              <a:effectLst>
+                <a:innerShdw blurRad="63500" dist="50800" dir="13500000">
+                  <a:srgbClr val="000000">
+                    <a:alpha val="50000"/>
+                  </a:srgbClr>
+                </a:innerShdw>
+              </a:effectLst>
+              <a:cs typeface="B Nazanin" panose="00000400000000000000" pitchFamily="2" charset="-78"/>
+            </a:endParaRPr>
+          </a:p>
+        </p:txBody>
+      </p:sp>
+      <p:sp>
+        <p:nvSpPr>
+          <p:cNvPr id="6" name="Slide Number Placeholder 5"/>
+          <p:cNvSpPr>
+            <a:spLocks noGrp="1"/>
+          </p:cNvSpPr>
+          <p:nvPr>
+            <p:ph type="sldNum" sz="quarter" idx="12"/>
+          </p:nvPr>
+        </p:nvSpPr>
+        <p:spPr/>
+        <p:txBody>
+          <a:bodyPr/>
+          <a:lstStyle/>
+          <a:p>
+            <a:fld id="{5C26D530-B9E0-4354-AD45-D406AB899135}" type="slidenum">
+              <a:rPr lang="en-US" smtClean="0"/>
+              <a:t>19</a:t>
+            </a:fld>
+            <a:endParaRPr lang="en-US" dirty="0"/>
+          </a:p>
+        </p:txBody>
+      </p:sp>
+    </p:spTree>
+    <p:extLst>
+      <p:ext uri="{BB962C8B-B14F-4D97-AF65-F5344CB8AC3E}">
+        <p14:creationId xmlns:p14="http://schemas.microsoft.com/office/powerpoint/2010/main" val="984472291"/>
       </p:ext>
     </p:extLst>
   </p:cSld>
@@ -6975,6 +10913,13 @@
   <p:clrMapOvr>
     <a:masterClrMapping/>
   </p:clrMapOvr>
+  <p:timing>
+    <p:tnLst>
+      <p:par>
+        <p:cTn id="1" dur="indefinite" restart="never" nodeType="tmRoot"/>
+      </p:par>
+    </p:tnLst>
+  </p:timing>
 </p:sld>
 </file>
 
